--- a/presentation/Big Data - CouchDB.pptx
+++ b/presentation/Big Data - CouchDB.pptx
@@ -5,25 +5,29 @@
     <p:sldMasterId id="2147483648" r:id="rId4"/>
   </p:sldMasterIdLst>
   <p:notesMasterIdLst>
-    <p:notesMasterId r:id="rId18"/>
+    <p:notesMasterId r:id="rId22"/>
   </p:notesMasterIdLst>
   <p:handoutMasterIdLst>
-    <p:handoutMasterId r:id="rId19"/>
+    <p:handoutMasterId r:id="rId23"/>
   </p:handoutMasterIdLst>
   <p:sldIdLst>
     <p:sldId id="270" r:id="rId5"/>
     <p:sldId id="257" r:id="rId6"/>
     <p:sldId id="258" r:id="rId7"/>
     <p:sldId id="272" r:id="rId8"/>
-    <p:sldId id="273" r:id="rId9"/>
-    <p:sldId id="261" r:id="rId10"/>
-    <p:sldId id="265" r:id="rId11"/>
-    <p:sldId id="264" r:id="rId12"/>
-    <p:sldId id="268" r:id="rId13"/>
-    <p:sldId id="274" r:id="rId14"/>
-    <p:sldId id="275" r:id="rId15"/>
-    <p:sldId id="276" r:id="rId16"/>
-    <p:sldId id="267" r:id="rId17"/>
+    <p:sldId id="278" r:id="rId9"/>
+    <p:sldId id="273" r:id="rId10"/>
+    <p:sldId id="261" r:id="rId11"/>
+    <p:sldId id="265" r:id="rId12"/>
+    <p:sldId id="277" r:id="rId13"/>
+    <p:sldId id="280" r:id="rId14"/>
+    <p:sldId id="264" r:id="rId15"/>
+    <p:sldId id="279" r:id="rId16"/>
+    <p:sldId id="268" r:id="rId17"/>
+    <p:sldId id="274" r:id="rId18"/>
+    <p:sldId id="275" r:id="rId19"/>
+    <p:sldId id="276" r:id="rId20"/>
+    <p:sldId id="267" r:id="rId21"/>
   </p:sldIdLst>
   <p:sldSz cx="9144000" cy="6858000" type="screen4x3"/>
   <p:notesSz cx="6858000" cy="9144000"/>
@@ -992,6 +996,657 @@
 </p:notes>
 </file>
 
+<file path=ppt/notesSlides/notesSlide10.xml><?xml version="1.0" encoding="utf-8"?>
+<p:notes xmlns:a="http://schemas.openxmlformats.org/drawingml/2006/main" xmlns:r="http://schemas.openxmlformats.org/officeDocument/2006/relationships" xmlns:p="http://schemas.openxmlformats.org/presentationml/2006/main">
+  <p:cSld>
+    <p:spTree>
+      <p:nvGrpSpPr>
+        <p:cNvPr id="1" name=""/>
+        <p:cNvGrpSpPr/>
+        <p:nvPr/>
+      </p:nvGrpSpPr>
+      <p:grpSpPr>
+        <a:xfrm>
+          <a:off x="0" y="0"/>
+          <a:ext cx="0" cy="0"/>
+          <a:chOff x="0" y="0"/>
+          <a:chExt cx="0" cy="0"/>
+        </a:xfrm>
+      </p:grpSpPr>
+      <p:sp>
+        <p:nvSpPr>
+          <p:cNvPr id="2" name="Slide Image Placeholder 1"/>
+          <p:cNvSpPr>
+            <a:spLocks noGrp="1" noRot="1" noChangeAspect="1"/>
+          </p:cNvSpPr>
+          <p:nvPr>
+            <p:ph type="sldImg"/>
+          </p:nvPr>
+        </p:nvSpPr>
+        <p:spPr/>
+      </p:sp>
+      <p:sp>
+        <p:nvSpPr>
+          <p:cNvPr id="3" name="Notes Placeholder 2"/>
+          <p:cNvSpPr>
+            <a:spLocks noGrp="1"/>
+          </p:cNvSpPr>
+          <p:nvPr>
+            <p:ph type="body" idx="1"/>
+          </p:nvPr>
+        </p:nvSpPr>
+        <p:spPr/>
+        <p:txBody>
+          <a:bodyPr/>
+          <a:lstStyle/>
+          <a:p>
+            <a:r>
+              <a:rPr lang="nl-BE" sz="1200" b="0" i="0" kern="1200" dirty="0" smtClean="0">
+                <a:solidFill>
+                  <a:srgbClr val="000000"/>
+                </a:solidFill>
+                <a:effectLst/>
+                <a:latin typeface="Times New Roman" pitchFamily="16" charset="0"/>
+                <a:ea typeface="+mn-ea"/>
+                <a:cs typeface="+mn-cs"/>
+              </a:rPr>
+              <a:t>Note: The replication process only copies the last revision of a document, so all previous revisions that were only on the source database are not copied to the destination database. </a:t>
+            </a:r>
+          </a:p>
+          <a:p>
+            <a:pPr marL="0" marR="0" indent="0" algn="l" defTabSz="449263" rtl="0" eaLnBrk="0" fontAlgn="base" latinLnBrk="0" hangingPunct="0">
+              <a:lnSpc>
+                <a:spcPct val="100000"/>
+              </a:lnSpc>
+              <a:spcBef>
+                <a:spcPct val="30000"/>
+              </a:spcBef>
+              <a:spcAft>
+                <a:spcPct val="0"/>
+              </a:spcAft>
+              <a:buClr>
+                <a:srgbClr val="000000"/>
+              </a:buClr>
+              <a:buSzPct val="100000"/>
+              <a:buFont typeface="Times New Roman" pitchFamily="18" charset="0"/>
+              <a:buNone/>
+              <a:tabLst/>
+              <a:defRPr/>
+            </a:pPr>
+            <a:r>
+              <a:rPr lang="nl-BE" sz="1200" b="0" i="0" kern="1200" dirty="0" smtClean="0">
+                <a:solidFill>
+                  <a:srgbClr val="000000"/>
+                </a:solidFill>
+                <a:effectLst/>
+                <a:latin typeface="Times New Roman" pitchFamily="16" charset="0"/>
+                <a:ea typeface="+mn-ea"/>
+                <a:cs typeface="+mn-cs"/>
+              </a:rPr>
+              <a:t>Availability means that all clients can always read and write. Consistency means that each client always has the same view of the data. </a:t>
+            </a:r>
+          </a:p>
+          <a:p>
+            <a:r>
+              <a:rPr lang="nl-BE" sz="1200" b="0" i="0" kern="1200" dirty="0" smtClean="0">
+                <a:solidFill>
+                  <a:srgbClr val="000000"/>
+                </a:solidFill>
+                <a:effectLst/>
+                <a:latin typeface="Times New Roman" pitchFamily="16" charset="0"/>
+                <a:ea typeface="+mn-ea"/>
+                <a:cs typeface="+mn-cs"/>
+              </a:rPr>
+              <a:t>In MongoDB</a:t>
+            </a:r>
+            <a:r>
+              <a:rPr lang="nl-BE" sz="1200" b="0" i="0" kern="1200" baseline="0" dirty="0" smtClean="0">
+                <a:solidFill>
+                  <a:srgbClr val="000000"/>
+                </a:solidFill>
+                <a:effectLst/>
+                <a:latin typeface="Times New Roman" pitchFamily="16" charset="0"/>
+                <a:ea typeface="+mn-ea"/>
+                <a:cs typeface="+mn-cs"/>
+              </a:rPr>
+              <a:t> – nodes host the same data set (replica set), one is primary, others secondary. Primary is used for all read/write ops. Replication is used for redundancy.</a:t>
+            </a:r>
+          </a:p>
+          <a:p>
+            <a:pPr marL="0" marR="0" indent="0" algn="l" defTabSz="449263" rtl="0" eaLnBrk="0" fontAlgn="base" latinLnBrk="0" hangingPunct="0">
+              <a:lnSpc>
+                <a:spcPct val="100000"/>
+              </a:lnSpc>
+              <a:spcBef>
+                <a:spcPct val="30000"/>
+              </a:spcBef>
+              <a:spcAft>
+                <a:spcPct val="0"/>
+              </a:spcAft>
+              <a:buClr>
+                <a:srgbClr val="000000"/>
+              </a:buClr>
+              <a:buSzPct val="100000"/>
+              <a:buFont typeface="Times New Roman" pitchFamily="18" charset="0"/>
+              <a:buNone/>
+              <a:tabLst/>
+              <a:defRPr/>
+            </a:pPr>
+            <a:r>
+              <a:rPr lang="nl-BE" sz="1200" b="0" i="0" kern="1200" baseline="0" dirty="0" smtClean="0">
+                <a:solidFill>
+                  <a:srgbClr val="000000"/>
+                </a:solidFill>
+                <a:effectLst/>
+                <a:latin typeface="Times New Roman" pitchFamily="16" charset="0"/>
+                <a:ea typeface="+mn-ea"/>
+                <a:cs typeface="+mn-cs"/>
+              </a:rPr>
+              <a:t>In CouchDB – Eventual consistency. Clients write to one node without waiting for other nodes to come into agreement. The system incrementally copies document changes between nodes, meaning that they will eventually be in sync.</a:t>
+            </a:r>
+          </a:p>
+          <a:p>
+            <a:pPr marL="0" marR="0" indent="0" algn="l" defTabSz="449263" rtl="0" eaLnBrk="0" fontAlgn="base" latinLnBrk="0" hangingPunct="0">
+              <a:lnSpc>
+                <a:spcPct val="100000"/>
+              </a:lnSpc>
+              <a:spcBef>
+                <a:spcPct val="30000"/>
+              </a:spcBef>
+              <a:spcAft>
+                <a:spcPct val="0"/>
+              </a:spcAft>
+              <a:buClr>
+                <a:srgbClr val="000000"/>
+              </a:buClr>
+              <a:buSzPct val="100000"/>
+              <a:buFont typeface="Times New Roman" pitchFamily="18" charset="0"/>
+              <a:buNone/>
+              <a:tabLst/>
+              <a:defRPr/>
+            </a:pPr>
+            <a:r>
+              <a:rPr lang="nl-BE" sz="1200" b="0" i="0" kern="1200" baseline="0" dirty="0" smtClean="0">
+                <a:solidFill>
+                  <a:srgbClr val="000000"/>
+                </a:solidFill>
+                <a:effectLst/>
+                <a:latin typeface="Times New Roman" pitchFamily="16" charset="0"/>
+                <a:ea typeface="+mn-ea"/>
+                <a:cs typeface="+mn-cs"/>
+              </a:rPr>
+              <a:t>----- Meeting Notes (26/05/15 21:04) -----</a:t>
+            </a:r>
+          </a:p>
+          <a:p>
+            <a:pPr marL="0" marR="0" indent="0" algn="l" defTabSz="449263" rtl="0" eaLnBrk="0" fontAlgn="base" latinLnBrk="0" hangingPunct="0">
+              <a:lnSpc>
+                <a:spcPct val="100000"/>
+              </a:lnSpc>
+              <a:spcBef>
+                <a:spcPct val="30000"/>
+              </a:spcBef>
+              <a:spcAft>
+                <a:spcPct val="0"/>
+              </a:spcAft>
+              <a:buClr>
+                <a:srgbClr val="000000"/>
+              </a:buClr>
+              <a:buSzPct val="100000"/>
+              <a:buFont typeface="Times New Roman" pitchFamily="18" charset="0"/>
+              <a:buNone/>
+              <a:tabLst/>
+              <a:defRPr/>
+            </a:pPr>
+            <a:r>
+              <a:rPr lang="nl-BE" sz="1200" b="0" i="0" kern="1200" baseline="0" dirty="0" smtClean="0">
+                <a:solidFill>
+                  <a:srgbClr val="000000"/>
+                </a:solidFill>
+                <a:effectLst/>
+                <a:latin typeface="Times New Roman" pitchFamily="16" charset="0"/>
+                <a:ea typeface="+mn-ea"/>
+                <a:cs typeface="+mn-cs"/>
+              </a:rPr>
+              <a:t>consistency</a:t>
+            </a:r>
+          </a:p>
+        </p:txBody>
+      </p:sp>
+      <p:sp>
+        <p:nvSpPr>
+          <p:cNvPr id="4" name="Slide Number Placeholder 3"/>
+          <p:cNvSpPr>
+            <a:spLocks noGrp="1"/>
+          </p:cNvSpPr>
+          <p:nvPr>
+            <p:ph type="sldNum" idx="10"/>
+          </p:nvPr>
+        </p:nvSpPr>
+        <p:spPr/>
+        <p:txBody>
+          <a:bodyPr/>
+          <a:lstStyle/>
+          <a:p>
+            <a:pPr>
+              <a:defRPr/>
+            </a:pPr>
+            <a:fld id="{207F4200-82FD-4511-817F-06FB427217E6}" type="slidenum">
+              <a:rPr lang="nl-NL" smtClean="0"/>
+              <a:pPr>
+                <a:defRPr/>
+              </a:pPr>
+              <a:t>13</a:t>
+            </a:fld>
+            <a:endParaRPr lang="nl-NL"/>
+          </a:p>
+        </p:txBody>
+      </p:sp>
+    </p:spTree>
+    <p:extLst>
+      <p:ext uri="{BB962C8B-B14F-4D97-AF65-F5344CB8AC3E}">
+        <p14:creationId xmlns:p14="http://schemas.microsoft.com/office/powerpoint/2010/main" val="1019723802"/>
+      </p:ext>
+    </p:extLst>
+  </p:cSld>
+  <p:clrMapOvr>
+    <a:masterClrMapping/>
+  </p:clrMapOvr>
+</p:notes>
+</file>
+
+<file path=ppt/notesSlides/notesSlide11.xml><?xml version="1.0" encoding="utf-8"?>
+<p:notes xmlns:a="http://schemas.openxmlformats.org/drawingml/2006/main" xmlns:r="http://schemas.openxmlformats.org/officeDocument/2006/relationships" xmlns:p="http://schemas.openxmlformats.org/presentationml/2006/main">
+  <p:cSld>
+    <p:spTree>
+      <p:nvGrpSpPr>
+        <p:cNvPr id="1" name=""/>
+        <p:cNvGrpSpPr/>
+        <p:nvPr/>
+      </p:nvGrpSpPr>
+      <p:grpSpPr>
+        <a:xfrm>
+          <a:off x="0" y="0"/>
+          <a:ext cx="0" cy="0"/>
+          <a:chOff x="0" y="0"/>
+          <a:chExt cx="0" cy="0"/>
+        </a:xfrm>
+      </p:grpSpPr>
+      <p:sp>
+        <p:nvSpPr>
+          <p:cNvPr id="2" name="Slide Image Placeholder 1"/>
+          <p:cNvSpPr>
+            <a:spLocks noGrp="1" noRot="1" noChangeAspect="1"/>
+          </p:cNvSpPr>
+          <p:nvPr>
+            <p:ph type="sldImg"/>
+          </p:nvPr>
+        </p:nvSpPr>
+        <p:spPr/>
+      </p:sp>
+      <p:sp>
+        <p:nvSpPr>
+          <p:cNvPr id="3" name="Notes Placeholder 2"/>
+          <p:cNvSpPr>
+            <a:spLocks noGrp="1"/>
+          </p:cNvSpPr>
+          <p:nvPr>
+            <p:ph type="body" idx="1"/>
+          </p:nvPr>
+        </p:nvSpPr>
+        <p:spPr/>
+        <p:txBody>
+          <a:bodyPr/>
+          <a:lstStyle/>
+          <a:p>
+            <a:pPr marL="0" marR="0" indent="0" algn="l" defTabSz="449263" rtl="0" eaLnBrk="0" fontAlgn="base" latinLnBrk="0" hangingPunct="0">
+              <a:lnSpc>
+                <a:spcPct val="100000"/>
+              </a:lnSpc>
+              <a:spcBef>
+                <a:spcPct val="30000"/>
+              </a:spcBef>
+              <a:spcAft>
+                <a:spcPct val="0"/>
+              </a:spcAft>
+              <a:buClr>
+                <a:srgbClr val="000000"/>
+              </a:buClr>
+              <a:buSzPct val="100000"/>
+              <a:buFont typeface="Times New Roman" pitchFamily="18" charset="0"/>
+              <a:buNone/>
+              <a:tabLst/>
+              <a:defRPr/>
+            </a:pPr>
+            <a:r>
+              <a:rPr lang="en-US" dirty="0" err="1" smtClean="0"/>
+              <a:t>MapReduce</a:t>
+            </a:r>
+            <a:r>
+              <a:rPr lang="en-US" dirty="0" smtClean="0"/>
+              <a:t> is a programming model for processing and generating large data sets with a parallel, distributed algorithm on a cluster.</a:t>
+            </a:r>
+            <a:endParaRPr lang="en-US" dirty="0"/>
+          </a:p>
+        </p:txBody>
+      </p:sp>
+      <p:sp>
+        <p:nvSpPr>
+          <p:cNvPr id="4" name="Slide Number Placeholder 3"/>
+          <p:cNvSpPr>
+            <a:spLocks noGrp="1"/>
+          </p:cNvSpPr>
+          <p:nvPr>
+            <p:ph type="sldNum" idx="10"/>
+          </p:nvPr>
+        </p:nvSpPr>
+        <p:spPr/>
+        <p:txBody>
+          <a:bodyPr/>
+          <a:lstStyle/>
+          <a:p>
+            <a:pPr>
+              <a:defRPr/>
+            </a:pPr>
+            <a:fld id="{207F4200-82FD-4511-817F-06FB427217E6}" type="slidenum">
+              <a:rPr lang="nl-NL" smtClean="0"/>
+              <a:pPr>
+                <a:defRPr/>
+              </a:pPr>
+              <a:t>14</a:t>
+            </a:fld>
+            <a:endParaRPr lang="nl-NL"/>
+          </a:p>
+        </p:txBody>
+      </p:sp>
+    </p:spTree>
+    <p:extLst>
+      <p:ext uri="{BB962C8B-B14F-4D97-AF65-F5344CB8AC3E}">
+        <p14:creationId xmlns:p14="http://schemas.microsoft.com/office/powerpoint/2010/main" val="1755618506"/>
+      </p:ext>
+    </p:extLst>
+  </p:cSld>
+  <p:clrMapOvr>
+    <a:masterClrMapping/>
+  </p:clrMapOvr>
+</p:notes>
+</file>
+
+<file path=ppt/notesSlides/notesSlide12.xml><?xml version="1.0" encoding="utf-8"?>
+<p:notes xmlns:a="http://schemas.openxmlformats.org/drawingml/2006/main" xmlns:r="http://schemas.openxmlformats.org/officeDocument/2006/relationships" xmlns:p="http://schemas.openxmlformats.org/presentationml/2006/main">
+  <p:cSld>
+    <p:spTree>
+      <p:nvGrpSpPr>
+        <p:cNvPr id="1" name=""/>
+        <p:cNvGrpSpPr/>
+        <p:nvPr/>
+      </p:nvGrpSpPr>
+      <p:grpSpPr>
+        <a:xfrm>
+          <a:off x="0" y="0"/>
+          <a:ext cx="0" cy="0"/>
+          <a:chOff x="0" y="0"/>
+          <a:chExt cx="0" cy="0"/>
+        </a:xfrm>
+      </p:grpSpPr>
+      <p:sp>
+        <p:nvSpPr>
+          <p:cNvPr id="2" name="Slide Image Placeholder 1"/>
+          <p:cNvSpPr>
+            <a:spLocks noGrp="1" noRot="1" noChangeAspect="1"/>
+          </p:cNvSpPr>
+          <p:nvPr>
+            <p:ph type="sldImg"/>
+          </p:nvPr>
+        </p:nvSpPr>
+        <p:spPr/>
+      </p:sp>
+      <p:sp>
+        <p:nvSpPr>
+          <p:cNvPr id="3" name="Notes Placeholder 2"/>
+          <p:cNvSpPr>
+            <a:spLocks noGrp="1"/>
+          </p:cNvSpPr>
+          <p:nvPr>
+            <p:ph type="body" idx="1"/>
+          </p:nvPr>
+        </p:nvSpPr>
+        <p:spPr/>
+        <p:txBody>
+          <a:bodyPr/>
+          <a:lstStyle/>
+          <a:p>
+            <a:r>
+              <a:rPr lang="en-US" dirty="0" smtClean="0"/>
+              <a:t>Only limited by</a:t>
+            </a:r>
+            <a:r>
+              <a:rPr lang="en-US" baseline="0" dirty="0" smtClean="0"/>
+              <a:t> disk space and file descriptors on </a:t>
+            </a:r>
+            <a:r>
+              <a:rPr lang="en-US" baseline="0" dirty="0" err="1" smtClean="0"/>
+              <a:t>filesystem</a:t>
+            </a:r>
+            <a:r>
+              <a:rPr lang="en-US" baseline="0" dirty="0" smtClean="0"/>
+              <a:t>. </a:t>
+            </a:r>
+          </a:p>
+          <a:p>
+            <a:r>
+              <a:rPr lang="en-US" dirty="0" smtClean="0"/>
+              <a:t>It is not uncommon to set up a database architecture with </a:t>
+            </a:r>
+            <a:r>
+              <a:rPr lang="en-US" dirty="0" err="1" smtClean="0"/>
+              <a:t>CouchDB</a:t>
+            </a:r>
+            <a:r>
+              <a:rPr lang="en-US" dirty="0" smtClean="0"/>
+              <a:t> where every single user gets their own database. </a:t>
+            </a:r>
+          </a:p>
+          <a:p>
+            <a:r>
+              <a:rPr lang="en-US" dirty="0" smtClean="0"/>
+              <a:t>Extreme resilience against data loss.</a:t>
+            </a:r>
+            <a:r>
+              <a:rPr lang="en-US" baseline="0" dirty="0" smtClean="0"/>
+              <a:t> </a:t>
+            </a:r>
+          </a:p>
+          <a:p>
+            <a:r>
+              <a:rPr lang="en-US" dirty="0" smtClean="0"/>
+              <a:t>Compaction walks the changes feed and copies all most recent document versions into a new file</a:t>
+            </a:r>
+            <a:r>
+              <a:rPr lang="en-US" baseline="0" dirty="0" smtClean="0"/>
+              <a:t> =&gt; </a:t>
+            </a:r>
+            <a:r>
+              <a:rPr lang="en-US" dirty="0" err="1" smtClean="0"/>
+              <a:t>automically</a:t>
+            </a:r>
+            <a:r>
+              <a:rPr lang="en-US" dirty="0" smtClean="0"/>
+              <a:t> swaps the old and the new file and deletes the old file.</a:t>
+            </a:r>
+          </a:p>
+          <a:p>
+            <a:r>
+              <a:rPr lang="en-US" dirty="0" smtClean="0"/>
+              <a:t>----- Meeting Notes (26/05/15 21:04) -----</a:t>
+            </a:r>
+          </a:p>
+          <a:p>
+            <a:r>
+              <a:rPr lang="en-US" dirty="0" smtClean="0"/>
+              <a:t>compaction</a:t>
+            </a:r>
+            <a:endParaRPr lang="en-US" dirty="0"/>
+          </a:p>
+        </p:txBody>
+      </p:sp>
+      <p:sp>
+        <p:nvSpPr>
+          <p:cNvPr id="4" name="Slide Number Placeholder 3"/>
+          <p:cNvSpPr>
+            <a:spLocks noGrp="1"/>
+          </p:cNvSpPr>
+          <p:nvPr>
+            <p:ph type="sldNum" idx="10"/>
+          </p:nvPr>
+        </p:nvSpPr>
+        <p:spPr/>
+        <p:txBody>
+          <a:bodyPr/>
+          <a:lstStyle/>
+          <a:p>
+            <a:pPr>
+              <a:defRPr/>
+            </a:pPr>
+            <a:fld id="{207F4200-82FD-4511-817F-06FB427217E6}" type="slidenum">
+              <a:rPr lang="nl-NL" smtClean="0"/>
+              <a:pPr>
+                <a:defRPr/>
+              </a:pPr>
+              <a:t>15</a:t>
+            </a:fld>
+            <a:endParaRPr lang="nl-NL"/>
+          </a:p>
+        </p:txBody>
+      </p:sp>
+    </p:spTree>
+    <p:extLst>
+      <p:ext uri="{BB962C8B-B14F-4D97-AF65-F5344CB8AC3E}">
+        <p14:creationId xmlns:p14="http://schemas.microsoft.com/office/powerpoint/2010/main" val="2202859249"/>
+      </p:ext>
+    </p:extLst>
+  </p:cSld>
+  <p:clrMapOvr>
+    <a:masterClrMapping/>
+  </p:clrMapOvr>
+</p:notes>
+</file>
+
+<file path=ppt/notesSlides/notesSlide13.xml><?xml version="1.0" encoding="utf-8"?>
+<p:notes xmlns:a="http://schemas.openxmlformats.org/drawingml/2006/main" xmlns:r="http://schemas.openxmlformats.org/officeDocument/2006/relationships" xmlns:p="http://schemas.openxmlformats.org/presentationml/2006/main">
+  <p:cSld>
+    <p:spTree>
+      <p:nvGrpSpPr>
+        <p:cNvPr id="1" name=""/>
+        <p:cNvGrpSpPr/>
+        <p:nvPr/>
+      </p:nvGrpSpPr>
+      <p:grpSpPr>
+        <a:xfrm>
+          <a:off x="0" y="0"/>
+          <a:ext cx="0" cy="0"/>
+          <a:chOff x="0" y="0"/>
+          <a:chExt cx="0" cy="0"/>
+        </a:xfrm>
+      </p:grpSpPr>
+      <p:sp>
+        <p:nvSpPr>
+          <p:cNvPr id="2" name="Slide Image Placeholder 1"/>
+          <p:cNvSpPr>
+            <a:spLocks noGrp="1" noRot="1" noChangeAspect="1"/>
+          </p:cNvSpPr>
+          <p:nvPr>
+            <p:ph type="sldImg"/>
+          </p:nvPr>
+        </p:nvSpPr>
+        <p:spPr/>
+      </p:sp>
+      <p:sp>
+        <p:nvSpPr>
+          <p:cNvPr id="3" name="Notes Placeholder 2"/>
+          <p:cNvSpPr>
+            <a:spLocks noGrp="1"/>
+          </p:cNvSpPr>
+          <p:nvPr>
+            <p:ph type="body" idx="1"/>
+          </p:nvPr>
+        </p:nvSpPr>
+        <p:spPr/>
+        <p:txBody>
+          <a:bodyPr/>
+          <a:lstStyle/>
+          <a:p>
+            <a:r>
+              <a:rPr lang="en-US" dirty="0" smtClean="0"/>
+              <a:t>CMS</a:t>
+            </a:r>
+            <a:r>
+              <a:rPr lang="en-US" baseline="0" dirty="0" smtClean="0"/>
+              <a:t> collects roughly 10PB of </a:t>
+            </a:r>
+            <a:r>
+              <a:rPr lang="en-US" baseline="0" smtClean="0"/>
+              <a:t>data per year</a:t>
+            </a:r>
+            <a:endParaRPr lang="en-US" smtClean="0"/>
+          </a:p>
+          <a:p>
+            <a:r>
+              <a:rPr lang="en-US" dirty="0" smtClean="0"/>
+              <a:t>a small number of users, but an amount of data similar to Facebook's</a:t>
+            </a:r>
+          </a:p>
+          <a:p>
+            <a:r>
+              <a:rPr lang="en-US" dirty="0" smtClean="0"/>
+              <a:t>designed for distributed environments</a:t>
+            </a:r>
+            <a:endParaRPr lang="en-US" dirty="0"/>
+          </a:p>
+        </p:txBody>
+      </p:sp>
+      <p:sp>
+        <p:nvSpPr>
+          <p:cNvPr id="4" name="Slide Number Placeholder 3"/>
+          <p:cNvSpPr>
+            <a:spLocks noGrp="1"/>
+          </p:cNvSpPr>
+          <p:nvPr>
+            <p:ph type="sldNum" idx="10"/>
+          </p:nvPr>
+        </p:nvSpPr>
+        <p:spPr/>
+        <p:txBody>
+          <a:bodyPr/>
+          <a:lstStyle/>
+          <a:p>
+            <a:pPr>
+              <a:defRPr/>
+            </a:pPr>
+            <a:fld id="{207F4200-82FD-4511-817F-06FB427217E6}" type="slidenum">
+              <a:rPr lang="nl-NL" smtClean="0"/>
+              <a:pPr>
+                <a:defRPr/>
+              </a:pPr>
+              <a:t>16</a:t>
+            </a:fld>
+            <a:endParaRPr lang="nl-NL"/>
+          </a:p>
+        </p:txBody>
+      </p:sp>
+    </p:spTree>
+    <p:extLst>
+      <p:ext uri="{BB962C8B-B14F-4D97-AF65-F5344CB8AC3E}">
+        <p14:creationId xmlns:p14="http://schemas.microsoft.com/office/powerpoint/2010/main" val="611019045"/>
+      </p:ext>
+    </p:extLst>
+  </p:cSld>
+  <p:clrMapOvr>
+    <a:masterClrMapping/>
+  </p:clrMapOvr>
+</p:notes>
+</file>
+
 <file path=ppt/notesSlides/notesSlide2.xml><?xml version="1.0" encoding="utf-8"?>
 <p:notes xmlns:a="http://schemas.openxmlformats.org/drawingml/2006/main" xmlns:r="http://schemas.openxmlformats.org/officeDocument/2006/relationships" xmlns:p="http://schemas.openxmlformats.org/presentationml/2006/main">
   <p:cSld>
@@ -1337,6 +1992,18 @@
           <a:p>
             <a:endParaRPr lang="en-US" dirty="0"/>
           </a:p>
+          <a:p>
+            <a:r>
+              <a:rPr lang="en-US" dirty="0"/>
+              <a:t>----- Meeting Notes (26/05/15 20:34) -----</a:t>
+            </a:r>
+          </a:p>
+          <a:p>
+            <a:r>
+              <a:rPr lang="en-US" dirty="0"/>
+              <a:t>revision? </a:t>
+            </a:r>
+          </a:p>
         </p:txBody>
       </p:sp>
       <p:sp>
@@ -1362,7 +2029,7 @@
               <a:pPr>
                 <a:defRPr/>
               </a:pPr>
-              <a:t>5</a:t>
+              <a:t>6</a:t>
             </a:fld>
             <a:endParaRPr lang="nl-NL"/>
           </a:p>
@@ -1454,6 +2121,18 @@
               <a:rPr lang="nl-BE" baseline="0" dirty="0" smtClean="0"/>
               <a:t>Licensed under Apache</a:t>
             </a:r>
+          </a:p>
+          <a:p>
+            <a:r>
+              <a:rPr lang="nl-BE" baseline="0" dirty="0" smtClean="0"/>
+              <a:t>----- Meeting Notes (26/05/15 21:04) -----</a:t>
+            </a:r>
+          </a:p>
+          <a:p>
+            <a:r>
+              <a:rPr lang="nl-BE" baseline="0" dirty="0" smtClean="0"/>
+              <a:t>ravendb</a:t>
+            </a:r>
             <a:endParaRPr lang="nl-BE" baseline="0" dirty="0" smtClean="0"/>
           </a:p>
         </p:txBody>
@@ -1481,7 +2160,7 @@
               <a:pPr>
                 <a:defRPr/>
               </a:pPr>
-              <a:t>6</a:t>
+              <a:t>7</a:t>
             </a:fld>
             <a:endParaRPr lang="nl-NL"/>
           </a:p>
@@ -1544,94 +2223,6 @@
           <a:bodyPr/>
           <a:lstStyle/>
           <a:p>
-            <a:pPr marL="0" marR="0" lvl="0" indent="0" algn="l" defTabSz="449263" rtl="0" eaLnBrk="0" fontAlgn="base" latinLnBrk="0" hangingPunct="0">
-              <a:lnSpc>
-                <a:spcPct val="100000"/>
-              </a:lnSpc>
-              <a:spcBef>
-                <a:spcPct val="30000"/>
-              </a:spcBef>
-              <a:spcAft>
-                <a:spcPct val="0"/>
-              </a:spcAft>
-              <a:buClr>
-                <a:srgbClr val="000000"/>
-              </a:buClr>
-              <a:buSzPct val="100000"/>
-              <a:buFont typeface="Times New Roman" pitchFamily="18" charset="0"/>
-              <a:buNone/>
-              <a:tabLst/>
-              <a:defRPr/>
-            </a:pPr>
-            <a:r>
-              <a:rPr lang="en-US" dirty="0" smtClean="0"/>
-              <a:t>Highly concurrent database - designed to be easily replicable, horizontally, across numerous devices and be fault tolerant.</a:t>
-            </a:r>
-            <a:r>
-              <a:rPr lang="en-US" baseline="0" dirty="0" smtClean="0"/>
-              <a:t> </a:t>
-            </a:r>
-          </a:p>
-          <a:p>
-            <a:pPr marL="0" marR="0" lvl="0" indent="0" algn="l" defTabSz="449263" rtl="0" eaLnBrk="0" fontAlgn="base" latinLnBrk="0" hangingPunct="0">
-              <a:lnSpc>
-                <a:spcPct val="100000"/>
-              </a:lnSpc>
-              <a:spcBef>
-                <a:spcPct val="30000"/>
-              </a:spcBef>
-              <a:spcAft>
-                <a:spcPct val="0"/>
-              </a:spcAft>
-              <a:buClr>
-                <a:srgbClr val="000000"/>
-              </a:buClr>
-              <a:buSzPct val="100000"/>
-              <a:buFont typeface="Times New Roman" pitchFamily="18" charset="0"/>
-              <a:buNone/>
-              <a:tabLst/>
-              <a:defRPr/>
-            </a:pPr>
-            <a:r>
-              <a:rPr lang="en-US" sz="1200" kern="1200" dirty="0" smtClean="0">
-                <a:solidFill>
-                  <a:srgbClr val="000000"/>
-                </a:solidFill>
-                <a:effectLst/>
-                <a:latin typeface="Times New Roman" pitchFamily="16" charset="0"/>
-                <a:ea typeface="+mn-ea"/>
-                <a:cs typeface="+mn-cs"/>
-              </a:rPr>
-              <a:t>Append only database - new updates are appended to the database and do not overwrite the old document. Each new update to a JSON document with a pre-existing ID will add a new revision (note: revisions are used as part of the replication system, it is not designed to be used as a revision control system).</a:t>
-            </a:r>
-          </a:p>
-          <a:p>
-            <a:r>
-              <a:rPr lang="en-US" sz="1200" kern="1200" dirty="0" err="1" smtClean="0">
-                <a:solidFill>
-                  <a:srgbClr val="000000"/>
-                </a:solidFill>
-                <a:effectLst/>
-                <a:latin typeface="Times New Roman" pitchFamily="16" charset="0"/>
-                <a:ea typeface="+mn-ea"/>
-                <a:cs typeface="+mn-cs"/>
-              </a:rPr>
-              <a:t>RESTful</a:t>
-            </a:r>
-            <a:r>
-              <a:rPr lang="en-US" sz="1200" kern="1200" dirty="0" smtClean="0">
-                <a:solidFill>
-                  <a:srgbClr val="000000"/>
-                </a:solidFill>
-                <a:effectLst/>
-                <a:latin typeface="Times New Roman" pitchFamily="16" charset="0"/>
-                <a:ea typeface="+mn-ea"/>
-                <a:cs typeface="+mn-cs"/>
-              </a:rPr>
-              <a:t> - From creation to replication to data insertion, every management and data task can be done via HTTP.</a:t>
-            </a:r>
-          </a:p>
-          <a:p>
             <a:pPr marL="0" marR="0" indent="0" algn="l" defTabSz="449263" rtl="0" eaLnBrk="0" fontAlgn="base" latinLnBrk="0" hangingPunct="0">
               <a:lnSpc>
                 <a:spcPct val="100000"/>
@@ -1652,52 +2243,7 @@
               <a:defRPr/>
             </a:pPr>
             <a:r>
-              <a:rPr lang="en-US" dirty="0" smtClean="0"/>
-              <a:t>Built for Offline - </a:t>
-            </a:r>
-            <a:r>
-              <a:rPr lang="en-US" dirty="0" err="1" smtClean="0"/>
-              <a:t>CouchDB</a:t>
-            </a:r>
-            <a:r>
-              <a:rPr lang="en-US" dirty="0" smtClean="0"/>
-              <a:t> can replicate to devices (like Android phones) that can go offline and handle data sync for you when the device is back online.</a:t>
-            </a:r>
-          </a:p>
-          <a:p>
-            <a:pPr marL="0" marR="0" indent="0" algn="l" defTabSz="449263" rtl="0" eaLnBrk="0" fontAlgn="base" latinLnBrk="0" hangingPunct="0">
-              <a:lnSpc>
-                <a:spcPct val="100000"/>
-              </a:lnSpc>
-              <a:spcBef>
-                <a:spcPct val="30000"/>
-              </a:spcBef>
-              <a:spcAft>
-                <a:spcPct val="0"/>
-              </a:spcAft>
-              <a:buClr>
-                <a:srgbClr val="000000"/>
-              </a:buClr>
-              <a:buSzPct val="100000"/>
-              <a:buFont typeface="Times New Roman" pitchFamily="18" charset="0"/>
-              <a:buNone/>
-              <a:tabLst/>
-              <a:defRPr/>
-            </a:pPr>
-            <a:r>
-              <a:rPr lang="en-US" dirty="0" smtClean="0"/>
-              <a:t>Replication Filters – Choose</a:t>
-            </a:r>
-            <a:r>
-              <a:rPr lang="en-US" baseline="0" dirty="0" smtClean="0"/>
-              <a:t> </a:t>
-            </a:r>
-            <a:r>
-              <a:rPr lang="en-US" dirty="0" smtClean="0"/>
-              <a:t>precisely the data you wish to replicate to different nodes</a:t>
-            </a:r>
-            <a:r>
-              <a:rPr lang="nl-BE" sz="1200" b="0" i="0" kern="1200" dirty="0" smtClean="0">
+              <a:rPr lang="en-US" sz="1200" kern="1200" dirty="0" err="1" smtClean="0">
                 <a:solidFill>
                   <a:srgbClr val="000000"/>
                 </a:solidFill>
@@ -1706,9 +2252,23 @@
                 <a:ea typeface="+mn-ea"/>
                 <a:cs typeface="+mn-cs"/>
               </a:rPr>
-              <a:t>.</a:t>
-            </a:r>
-            <a:endParaRPr lang="en-US" dirty="0" smtClean="0"/>
+              <a:t>RESTful</a:t>
+            </a:r>
+            <a:r>
+              <a:rPr lang="en-US" sz="1200" kern="1200" dirty="0" smtClean="0">
+                <a:solidFill>
+                  <a:srgbClr val="000000"/>
+                </a:solidFill>
+                <a:effectLst/>
+                <a:latin typeface="Times New Roman" pitchFamily="16" charset="0"/>
+                <a:ea typeface="+mn-ea"/>
+                <a:cs typeface="+mn-cs"/>
+              </a:rPr>
+              <a:t> - From creation to replication to data insertion, every management and data task can be done via HTTP.</a:t>
+            </a:r>
+          </a:p>
+          <a:p>
+            <a:endParaRPr lang="en-US" dirty="0"/>
           </a:p>
         </p:txBody>
       </p:sp>
@@ -1735,7 +2295,7 @@
               <a:pPr>
                 <a:defRPr/>
               </a:pPr>
-              <a:t>8</a:t>
+              <a:t>10</a:t>
             </a:fld>
             <a:endParaRPr lang="nl-NL"/>
           </a:p>
@@ -1744,7 +2304,7 @@
     </p:spTree>
     <p:extLst>
       <p:ext uri="{BB962C8B-B14F-4D97-AF65-F5344CB8AC3E}">
-        <p14:creationId xmlns:p14="http://schemas.microsoft.com/office/powerpoint/2010/main" val="1019723802"/>
+        <p14:creationId xmlns:p14="http://schemas.microsoft.com/office/powerpoint/2010/main" val="415302963"/>
       </p:ext>
     </p:extLst>
   </p:cSld>
@@ -1798,8 +2358,56 @@
           <a:bodyPr/>
           <a:lstStyle/>
           <a:p>
-            <a:r>
-              <a:rPr lang="nl-BE" sz="1200" b="0" i="0" kern="1200" dirty="0" smtClean="0">
+            <a:pPr marL="0" marR="0" lvl="0" indent="0" algn="l" defTabSz="449263" rtl="0" eaLnBrk="0" fontAlgn="base" latinLnBrk="0" hangingPunct="0">
+              <a:lnSpc>
+                <a:spcPct val="100000"/>
+              </a:lnSpc>
+              <a:spcBef>
+                <a:spcPct val="30000"/>
+              </a:spcBef>
+              <a:spcAft>
+                <a:spcPct val="0"/>
+              </a:spcAft>
+              <a:buClr>
+                <a:srgbClr val="000000"/>
+              </a:buClr>
+              <a:buSzPct val="100000"/>
+              <a:buFont typeface="Times New Roman" pitchFamily="18" charset="0"/>
+              <a:buNone/>
+              <a:tabLst/>
+              <a:defRPr/>
+            </a:pPr>
+            <a:r>
+              <a:rPr lang="en-US" dirty="0" smtClean="0"/>
+              <a:t>Highly concurrent database - designed to be easily replicable, horizontally, across numerous devices and be fault tolerant.</a:t>
+            </a:r>
+            <a:r>
+              <a:rPr lang="en-US" baseline="0" dirty="0" smtClean="0"/>
+              <a:t> </a:t>
+            </a:r>
+          </a:p>
+          <a:p>
+            <a:pPr marL="0" marR="0" lvl="0" indent="0" algn="l" defTabSz="449263" rtl="0" eaLnBrk="0" fontAlgn="base" latinLnBrk="0" hangingPunct="0">
+              <a:lnSpc>
+                <a:spcPct val="100000"/>
+              </a:lnSpc>
+              <a:spcBef>
+                <a:spcPct val="30000"/>
+              </a:spcBef>
+              <a:spcAft>
+                <a:spcPct val="0"/>
+              </a:spcAft>
+              <a:buClr>
+                <a:srgbClr val="000000"/>
+              </a:buClr>
+              <a:buSzPct val="100000"/>
+              <a:buFont typeface="Times New Roman" pitchFamily="18" charset="0"/>
+              <a:buNone/>
+              <a:tabLst/>
+              <a:defRPr/>
+            </a:pPr>
+            <a:r>
+              <a:rPr lang="en-US" sz="1200" kern="1200" dirty="0" smtClean="0">
                 <a:solidFill>
                   <a:srgbClr val="000000"/>
                 </a:solidFill>
@@ -1808,7 +2416,7 @@
                 <a:ea typeface="+mn-ea"/>
                 <a:cs typeface="+mn-cs"/>
               </a:rPr>
-              <a:t>Note: The replication process only copies the last revision of a document, so all previous revisions that were only on the source database are not copied to the destination database. </a:t>
+              <a:t>Append only database - new updates are appended to the database and do not overwrite the old document. Each new update to a JSON document with a pre-existing ID will add a new revision (note: revisions are used as part of the replication system, it is not designed to be used as a revision control system).</a:t>
             </a:r>
           </a:p>
           <a:p>
@@ -1832,42 +2440,16 @@
               <a:defRPr/>
             </a:pPr>
             <a:r>
-              <a:rPr lang="nl-BE" sz="1200" b="0" i="0" kern="1200" dirty="0" smtClean="0">
-                <a:solidFill>
-                  <a:srgbClr val="000000"/>
-                </a:solidFill>
-                <a:effectLst/>
-                <a:latin typeface="Times New Roman" pitchFamily="16" charset="0"/>
-                <a:ea typeface="+mn-ea"/>
-                <a:cs typeface="+mn-cs"/>
-              </a:rPr>
-              <a:t>Availability means that all clients can always read and write. Consistency means that each client always has the same view of the data. </a:t>
-            </a:r>
-          </a:p>
-          <a:p>
-            <a:r>
-              <a:rPr lang="nl-BE" sz="1200" b="0" i="0" kern="1200" dirty="0" smtClean="0">
-                <a:solidFill>
-                  <a:srgbClr val="000000"/>
-                </a:solidFill>
-                <a:effectLst/>
-                <a:latin typeface="Times New Roman" pitchFamily="16" charset="0"/>
-                <a:ea typeface="+mn-ea"/>
-                <a:cs typeface="+mn-cs"/>
-              </a:rPr>
-              <a:t>In MongoDB</a:t>
-            </a:r>
-            <a:r>
-              <a:rPr lang="nl-BE" sz="1200" b="0" i="0" kern="1200" baseline="0" dirty="0" smtClean="0">
-                <a:solidFill>
-                  <a:srgbClr val="000000"/>
-                </a:solidFill>
-                <a:effectLst/>
-                <a:latin typeface="Times New Roman" pitchFamily="16" charset="0"/>
-                <a:ea typeface="+mn-ea"/>
-                <a:cs typeface="+mn-cs"/>
-              </a:rPr>
-              <a:t> – nodes host the same data set (replica set), one is primary, others secondary. Primary is used for all read/write ops. Replication is used for redundancy.</a:t>
+              <a:rPr lang="en-US" dirty="0" smtClean="0"/>
+              <a:t>Built for Offline - </a:t>
+            </a:r>
+            <a:r>
+              <a:rPr lang="en-US" dirty="0" err="1" smtClean="0"/>
+              <a:t>CouchDB</a:t>
+            </a:r>
+            <a:r>
+              <a:rPr lang="en-US" dirty="0" smtClean="0"/>
+              <a:t> can replicate to devices (like Android phones) that can go offline and handle data sync for you when the device is back online.</a:t>
             </a:r>
           </a:p>
           <a:p>
@@ -1891,7 +2473,19 @@
               <a:defRPr/>
             </a:pPr>
             <a:r>
-              <a:rPr lang="nl-BE" sz="1200" b="0" i="0" kern="1200" baseline="0" dirty="0" smtClean="0">
+              <a:rPr lang="en-US" dirty="0" smtClean="0"/>
+              <a:t>Replication Filters – Choose</a:t>
+            </a:r>
+            <a:r>
+              <a:rPr lang="en-US" baseline="0" dirty="0" smtClean="0"/>
+              <a:t> </a:t>
+            </a:r>
+            <a:r>
+              <a:rPr lang="en-US" dirty="0" smtClean="0"/>
+              <a:t>precisely the data you wish to replicate to other nodes</a:t>
+            </a:r>
+            <a:r>
+              <a:rPr lang="nl-BE" sz="1200" b="0" i="0" kern="1200" dirty="0" smtClean="0">
                 <a:solidFill>
                   <a:srgbClr val="000000"/>
                 </a:solidFill>
@@ -1900,8 +2494,75 @@
                 <a:ea typeface="+mn-ea"/>
                 <a:cs typeface="+mn-cs"/>
               </a:rPr>
-              <a:t>In CouchDB – Eventual consistency. Clients write to one node without waiting for other nodes to come into agreement. The system incrementally copies document changes between nodes, meaning that they will eventually be in sync.</a:t>
-            </a:r>
+              <a:t>.</a:t>
+            </a:r>
+          </a:p>
+          <a:p>
+            <a:pPr marL="0" marR="0" indent="0" algn="l" defTabSz="449263" rtl="0" eaLnBrk="0" fontAlgn="base" latinLnBrk="0" hangingPunct="0">
+              <a:lnSpc>
+                <a:spcPct val="100000"/>
+              </a:lnSpc>
+              <a:spcBef>
+                <a:spcPct val="30000"/>
+              </a:spcBef>
+              <a:spcAft>
+                <a:spcPct val="0"/>
+              </a:spcAft>
+              <a:buClr>
+                <a:srgbClr val="000000"/>
+              </a:buClr>
+              <a:buSzPct val="100000"/>
+              <a:buFont typeface="Times New Roman" pitchFamily="18" charset="0"/>
+              <a:buNone/>
+              <a:tabLst/>
+              <a:defRPr/>
+            </a:pPr>
+            <a:r>
+              <a:rPr lang="nl-BE" sz="1200" b="0" i="0" kern="1200" dirty="0" smtClean="0">
+                <a:solidFill>
+                  <a:srgbClr val="000000"/>
+                </a:solidFill>
+                <a:effectLst/>
+                <a:latin typeface="Times New Roman" pitchFamily="16" charset="0"/>
+                <a:ea typeface="+mn-ea"/>
+                <a:cs typeface="+mn-cs"/>
+              </a:rPr>
+              <a:t>----- Meeting Notes (26/05/15 21:04) -----</a:t>
+            </a:r>
+          </a:p>
+          <a:p>
+            <a:pPr marL="0" marR="0" indent="0" algn="l" defTabSz="449263" rtl="0" eaLnBrk="0" fontAlgn="base" latinLnBrk="0" hangingPunct="0">
+              <a:lnSpc>
+                <a:spcPct val="100000"/>
+              </a:lnSpc>
+              <a:spcBef>
+                <a:spcPct val="30000"/>
+              </a:spcBef>
+              <a:spcAft>
+                <a:spcPct val="0"/>
+              </a:spcAft>
+              <a:buClr>
+                <a:srgbClr val="000000"/>
+              </a:buClr>
+              <a:buSzPct val="100000"/>
+              <a:buFont typeface="Times New Roman" pitchFamily="18" charset="0"/>
+              <a:buNone/>
+              <a:tabLst/>
+              <a:defRPr/>
+            </a:pPr>
+            <a:r>
+              <a:rPr lang="nl-BE" sz="1200" b="0" i="0" kern="1200" dirty="0" smtClean="0">
+                <a:solidFill>
+                  <a:srgbClr val="000000"/>
+                </a:solidFill>
+                <a:effectLst/>
+                <a:latin typeface="Times New Roman" pitchFamily="16" charset="0"/>
+                <a:ea typeface="+mn-ea"/>
+                <a:cs typeface="+mn-cs"/>
+              </a:rPr>
+              <a:t>conflict resolution</a:t>
+            </a:r>
+            <a:endParaRPr lang="en-US" dirty="0" smtClean="0"/>
           </a:p>
         </p:txBody>
       </p:sp>
@@ -1928,7 +2589,7 @@
               <a:pPr>
                 <a:defRPr/>
               </a:pPr>
-              <a:t>9</a:t>
+              <a:t>11</a:t>
             </a:fld>
             <a:endParaRPr lang="nl-NL"/>
           </a:p>
@@ -1993,57 +2654,7 @@
           <a:p>
             <a:r>
               <a:rPr lang="en-US" dirty="0" smtClean="0"/>
-              <a:t>Only limited by</a:t>
-            </a:r>
-            <a:r>
-              <a:rPr lang="en-US" baseline="0" dirty="0" smtClean="0"/>
-              <a:t> disk space and file descriptors on </a:t>
-            </a:r>
-            <a:r>
-              <a:rPr lang="en-US" baseline="0" dirty="0" err="1" smtClean="0"/>
-              <a:t>filesystem</a:t>
-            </a:r>
-            <a:r>
-              <a:rPr lang="en-US" baseline="0" dirty="0" smtClean="0"/>
-              <a:t>. </a:t>
-            </a:r>
-          </a:p>
-          <a:p>
-            <a:r>
-              <a:rPr lang="en-US" dirty="0" smtClean="0"/>
-              <a:t>It is not uncommon to set up a database architecture with </a:t>
-            </a:r>
-            <a:r>
-              <a:rPr lang="en-US" dirty="0" err="1" smtClean="0"/>
-              <a:t>CouchDB</a:t>
-            </a:r>
-            <a:r>
-              <a:rPr lang="en-US" dirty="0" smtClean="0"/>
-              <a:t> where every single user gets their own database. </a:t>
-            </a:r>
-          </a:p>
-          <a:p>
-            <a:r>
-              <a:rPr lang="en-US" dirty="0" smtClean="0"/>
-              <a:t>Extreme resilience against data loss.</a:t>
-            </a:r>
-            <a:r>
-              <a:rPr lang="en-US" baseline="0" dirty="0" smtClean="0"/>
-              <a:t> </a:t>
-            </a:r>
-          </a:p>
-          <a:p>
-            <a:r>
-              <a:rPr lang="en-US" dirty="0" smtClean="0"/>
-              <a:t>Compaction walks the changes feed and copies all most recent document versions into a new file</a:t>
-            </a:r>
-            <a:r>
-              <a:rPr lang="en-US" baseline="0" dirty="0" smtClean="0"/>
-              <a:t> =&gt; </a:t>
-            </a:r>
-            <a:r>
-              <a:rPr lang="en-US" dirty="0" smtClean="0"/>
-              <a:t>atomically swaps the old and the new file and deletes the old file.</a:t>
+              <a:t>provide concurrent access to the database </a:t>
             </a:r>
             <a:endParaRPr lang="en-US" dirty="0"/>
           </a:p>
@@ -2072,7 +2683,7 @@
               <a:pPr>
                 <a:defRPr/>
               </a:pPr>
-              <a:t>11</a:t>
+              <a:t>12</a:t>
             </a:fld>
             <a:endParaRPr lang="nl-NL"/>
           </a:p>
@@ -2081,7 +2692,7 @@
     </p:spTree>
     <p:extLst>
       <p:ext uri="{BB962C8B-B14F-4D97-AF65-F5344CB8AC3E}">
-        <p14:creationId xmlns:p14="http://schemas.microsoft.com/office/powerpoint/2010/main" val="2202859249"/>
+        <p14:creationId xmlns:p14="http://schemas.microsoft.com/office/powerpoint/2010/main" val="1234937718"/>
       </p:ext>
     </p:extLst>
   </p:cSld>
@@ -6576,43 +7187,6 @@
               <a:sym typeface="Tahoma"/>
             </a:endParaRPr>
           </a:p>
-          <a:p>
-            <a:pPr marL="0" marR="0" lvl="0" indent="0" algn="ctr" rtl="0">
-              <a:spcBef>
-                <a:spcPts val="800"/>
-              </a:spcBef>
-              <a:spcAft>
-                <a:spcPts val="0"/>
-              </a:spcAft>
-              <a:buClr>
-                <a:srgbClr val="4F575A"/>
-              </a:buClr>
-              <a:buSzPct val="25000"/>
-              <a:buFont typeface="Tahoma"/>
-              <a:buNone/>
-            </a:pPr>
-            <a:r>
-              <a:rPr lang="nl-BE" sz="1200" dirty="0" smtClean="0">
-                <a:solidFill>
-                  <a:schemeClr val="lt1"/>
-                </a:solidFill>
-                <a:latin typeface="Tahoma"/>
-                <a:ea typeface="Tahoma"/>
-                <a:cs typeface="Tahoma"/>
-                <a:sym typeface="Tahoma"/>
-              </a:rPr>
-              <a:t>Tom Causs</a:t>
-            </a:r>
-            <a:endParaRPr lang="en-US" sz="1200" dirty="0">
-              <a:solidFill>
-                <a:schemeClr val="lt1"/>
-              </a:solidFill>
-              <a:latin typeface="Tahoma"/>
-              <a:ea typeface="Tahoma"/>
-              <a:cs typeface="Tahoma"/>
-              <a:sym typeface="Tahoma"/>
-            </a:endParaRPr>
-          </a:p>
         </p:txBody>
       </p:sp>
       <p:pic>
@@ -6698,117 +7272,46 @@
           <a:lstStyle/>
           <a:p>
             <a:r>
+              <a:rPr lang="en-US" dirty="0" err="1" smtClean="0"/>
+              <a:t>RESTful</a:t>
+            </a:r>
+            <a:r>
               <a:rPr lang="en-US" dirty="0" smtClean="0"/>
-              <a:t>More on Views</a:t>
-            </a:r>
-            <a:endParaRPr lang="en-US" dirty="0"/>
-          </a:p>
-        </p:txBody>
-      </p:sp>
-      <p:sp>
-        <p:nvSpPr>
-          <p:cNvPr id="3" name="Content Placeholder 2"/>
-          <p:cNvSpPr>
-            <a:spLocks noGrp="1"/>
-          </p:cNvSpPr>
-          <p:nvPr>
-            <p:ph idx="1"/>
-          </p:nvPr>
-        </p:nvSpPr>
-        <p:spPr/>
-        <p:txBody>
-          <a:bodyPr/>
-          <a:lstStyle/>
-          <a:p>
-            <a:endParaRPr lang="en-US" dirty="0" smtClean="0"/>
-          </a:p>
-          <a:p>
-            <a:endParaRPr lang="en-US" dirty="0"/>
-          </a:p>
-          <a:p>
-            <a:endParaRPr lang="en-US" dirty="0" smtClean="0"/>
-          </a:p>
-          <a:p>
-            <a:endParaRPr lang="en-US" dirty="0"/>
-          </a:p>
-          <a:p>
-            <a:r>
-              <a:rPr lang="en-US" dirty="0" smtClean="0"/>
-              <a:t>Part of </a:t>
-            </a:r>
-            <a:r>
-              <a:rPr lang="en-US" dirty="0" err="1" smtClean="0"/>
-              <a:t>MapReduce</a:t>
-            </a:r>
-            <a:endParaRPr lang="en-US" dirty="0" smtClean="0"/>
-          </a:p>
-          <a:p>
-            <a:r>
-              <a:rPr lang="en-US" dirty="0" smtClean="0"/>
-              <a:t>Index built during query</a:t>
-            </a:r>
-          </a:p>
-          <a:p>
-            <a:pPr lvl="1"/>
-            <a:r>
-              <a:rPr lang="en-US" dirty="0" smtClean="0"/>
-              <a:t>Built from changes feed</a:t>
-            </a:r>
-          </a:p>
-          <a:p>
-            <a:pPr lvl="1"/>
-            <a:r>
-              <a:rPr lang="en-US" dirty="0" smtClean="0"/>
-              <a:t>Having many indexes doesn’t slow down new document insertion</a:t>
-            </a:r>
-          </a:p>
-          <a:p>
-            <a:pPr lvl="1"/>
-            <a:r>
-              <a:rPr lang="en-US" dirty="0" smtClean="0"/>
-              <a:t>The very first query to a view can take a while to complete</a:t>
-            </a:r>
-          </a:p>
-          <a:p>
-            <a:pPr lvl="1"/>
+              <a:t> API</a:t>
+            </a:r>
             <a:endParaRPr lang="en-US" dirty="0"/>
           </a:p>
         </p:txBody>
       </p:sp>
       <p:pic>
         <p:nvPicPr>
-          <p:cNvPr id="4" name="Picture 3" descr="Screenshot 2015-05-26 15.55.58.png"/>
+          <p:cNvPr id="4" name="Content Placeholder 3" descr="Screenshot 2015-06-09 16.13.43.png"/>
           <p:cNvPicPr>
-            <a:picLocks noChangeAspect="1"/>
+            <a:picLocks noGrp="1" noChangeAspect="1"/>
           </p:cNvPicPr>
-          <p:nvPr/>
+          <p:nvPr>
+            <p:ph idx="1"/>
+          </p:nvPr>
         </p:nvPicPr>
         <p:blipFill>
-          <a:blip r:embed="rId2">
+          <a:blip r:embed="rId3" cstate="print">
             <a:extLst>
               <a:ext uri="{28A0092B-C50C-407E-A947-70E740481C1C}">
                 <a14:useLocalDpi xmlns:a14="http://schemas.microsoft.com/office/drawing/2010/main" val="0"/>
               </a:ext>
             </a:extLst>
           </a:blip>
+          <a:srcRect t="-1655" b="-1655"/>
           <a:stretch>
             <a:fillRect/>
           </a:stretch>
         </p:blipFill>
-        <p:spPr>
-          <a:xfrm>
-            <a:off x="3059832" y="1412776"/>
-            <a:ext cx="2664296" cy="992221"/>
-          </a:xfrm>
-          <a:prstGeom prst="rect">
-            <a:avLst/>
-          </a:prstGeom>
-        </p:spPr>
+        <p:spPr/>
       </p:pic>
     </p:spTree>
     <p:extLst>
       <p:ext uri="{BB962C8B-B14F-4D97-AF65-F5344CB8AC3E}">
-        <p14:creationId xmlns:p14="http://schemas.microsoft.com/office/powerpoint/2010/main" val="754962965"/>
+        <p14:creationId xmlns:p14="http://schemas.microsoft.com/office/powerpoint/2010/main" val="629082231"/>
       </p:ext>
     </p:extLst>
   </p:cSld>
@@ -6854,10 +7357,10 @@
           <a:lstStyle/>
           <a:p>
             <a:r>
-              <a:rPr lang="en-US" dirty="0" smtClean="0"/>
-              <a:t>Core data storage</a:t>
-            </a:r>
-            <a:endParaRPr lang="en-US" dirty="0"/>
+              <a:rPr lang="nl-BE" dirty="0" smtClean="0"/>
+              <a:t>CouchDB intro (cont.)</a:t>
+            </a:r>
+            <a:endParaRPr lang="nl-BE" dirty="0"/>
           </a:p>
         </p:txBody>
       </p:sp>
@@ -6878,45 +7381,75 @@
           <a:p>
             <a:r>
               <a:rPr lang="en-US" dirty="0" smtClean="0"/>
-              <a:t>Can manage any number of logical databases</a:t>
-            </a:r>
-          </a:p>
-          <a:p>
+              <a:t>JSON </a:t>
+            </a:r>
+            <a:r>
+              <a:rPr lang="en-US" dirty="0"/>
+              <a:t>document-oriented database </a:t>
+            </a:r>
+            <a:endParaRPr lang="en-US" dirty="0" smtClean="0"/>
+          </a:p>
+          <a:p>
+            <a:pPr lvl="0"/>
+            <a:r>
+              <a:rPr lang="en-US" dirty="0"/>
+              <a:t>H</a:t>
+            </a:r>
             <a:r>
               <a:rPr lang="en-US" dirty="0" smtClean="0"/>
-              <a:t>Each DB backed by a single file in the </a:t>
-            </a:r>
-            <a:r>
-              <a:rPr lang="en-US" dirty="0" err="1" smtClean="0"/>
-              <a:t>filesystem</a:t>
-            </a:r>
-            <a:endParaRPr lang="en-US" dirty="0" smtClean="0"/>
-          </a:p>
-          <a:p>
+              <a:t>ighly concurrent </a:t>
+            </a:r>
+          </a:p>
+          <a:p>
+            <a:pPr lvl="0"/>
             <a:r>
               <a:rPr lang="en-US" dirty="0" smtClean="0"/>
-              <a:t>Each view stored in separate file</a:t>
-            </a:r>
-          </a:p>
-          <a:p>
+              <a:t>Append-only </a:t>
+            </a:r>
+            <a:r>
+              <a:rPr lang="en-US" dirty="0"/>
+              <a:t>database </a:t>
+            </a:r>
+          </a:p>
+          <a:p>
+            <a:pPr lvl="0"/>
             <a:r>
               <a:rPr lang="en-US" dirty="0" smtClean="0"/>
-              <a:t>Any new data is appended to the end of the file</a:t>
-            </a:r>
-          </a:p>
-          <a:p>
+              <a:t>Makes </a:t>
+            </a:r>
+            <a:r>
+              <a:rPr lang="en-US" dirty="0"/>
+              <a:t>use of map/reduce to index and query the database</a:t>
+            </a:r>
+          </a:p>
+          <a:p>
+            <a:r>
+              <a:rPr lang="en-US" dirty="0"/>
+              <a:t>Built for </a:t>
+            </a:r>
             <a:r>
               <a:rPr lang="en-US" dirty="0" smtClean="0"/>
-              <a:t>Old data can be cleaned up by “compaction”</a:t>
-            </a:r>
-            <a:endParaRPr lang="en-US" dirty="0"/>
+              <a:t>Offline</a:t>
+            </a:r>
+          </a:p>
+          <a:p>
+            <a:r>
+              <a:rPr lang="en-US" dirty="0" smtClean="0"/>
+              <a:t>Replication Filters</a:t>
+            </a:r>
+          </a:p>
+          <a:p>
+            <a:r>
+              <a:rPr lang="en-US" dirty="0" smtClean="0"/>
+              <a:t>Binary data storage (attachments)</a:t>
+            </a:r>
           </a:p>
         </p:txBody>
       </p:sp>
     </p:spTree>
     <p:extLst>
       <p:ext uri="{BB962C8B-B14F-4D97-AF65-F5344CB8AC3E}">
-        <p14:creationId xmlns:p14="http://schemas.microsoft.com/office/powerpoint/2010/main" val="2690872957"/>
+        <p14:creationId xmlns:p14="http://schemas.microsoft.com/office/powerpoint/2010/main" val="3033330028"/>
       </p:ext>
     </p:extLst>
   </p:cSld>
@@ -6969,8 +7502,12 @@
           <a:lstStyle/>
           <a:p>
             <a:r>
+              <a:rPr lang="en-US" dirty="0" err="1" smtClean="0"/>
+              <a:t>CouchDB</a:t>
+            </a:r>
+            <a:r>
               <a:rPr lang="en-US" dirty="0" smtClean="0"/>
-              <a:t>Use cases</a:t>
+              <a:t> intro - MVCC</a:t>
             </a:r>
             <a:endParaRPr lang="en-US" dirty="0"/>
           </a:p>
@@ -6978,7 +7515,7 @@
       </p:sp>
       <p:sp>
         <p:nvSpPr>
-          <p:cNvPr id="3" name="Content Placeholder 2"/>
+          <p:cNvPr id="7" name="Content Placeholder 6"/>
           <p:cNvSpPr>
             <a:spLocks noGrp="1"/>
           </p:cNvSpPr>
@@ -6992,100 +7529,566 @@
           <a:lstStyle/>
           <a:p>
             <a:r>
-              <a:rPr lang="en-US" dirty="0"/>
-              <a:t>Large Hadron Collider </a:t>
-            </a:r>
-            <a:endParaRPr lang="en-US" dirty="0" smtClean="0"/>
-          </a:p>
-          <a:p>
-            <a:pPr lvl="1"/>
-            <a:r>
-              <a:rPr lang="en-US" dirty="0">
-                <a:hlinkClick r:id="rId2"/>
-              </a:rPr>
-              <a:t>http://readwrite.com/2010/08/26/lhc-</a:t>
-            </a:r>
-            <a:r>
-              <a:rPr lang="en-US" dirty="0" smtClean="0">
-                <a:hlinkClick r:id="rId2"/>
-              </a:rPr>
-              <a:t>couchdb</a:t>
+              <a:rPr lang="en-US" dirty="0" err="1" smtClean="0"/>
+              <a:t>Multiversion</a:t>
             </a:r>
             <a:r>
               <a:rPr lang="en-US" dirty="0" smtClean="0"/>
-              <a:t> </a:t>
-            </a:r>
-          </a:p>
-          <a:p>
-            <a:pPr lvl="1"/>
-            <a:r>
-              <a:rPr lang="en-US" dirty="0" smtClean="0">
-                <a:hlinkClick r:id="rId3"/>
-              </a:rPr>
-              <a:t>http</a:t>
-            </a:r>
-            <a:r>
-              <a:rPr lang="en-US" dirty="0">
-                <a:hlinkClick r:id="rId3"/>
-              </a:rPr>
-              <a:t>://www.couchbase.com/sites/default/files/pdf/case-studies/Cern%20CB%20-%202010%</a:t>
-            </a:r>
-            <a:r>
-              <a:rPr lang="en-US" dirty="0" smtClean="0">
-                <a:hlinkClick r:id="rId3"/>
-              </a:rPr>
-              <a:t>20Aug.pdf</a:t>
-            </a:r>
-            <a:endParaRPr lang="en-US" dirty="0"/>
-          </a:p>
-          <a:p>
-            <a:endParaRPr lang="en-US" dirty="0" smtClean="0"/>
-          </a:p>
-          <a:p>
-            <a:r>
-              <a:rPr lang="en-US" dirty="0" smtClean="0"/>
-              <a:t>CERN</a:t>
-            </a:r>
-          </a:p>
-          <a:p>
-            <a:pPr lvl="1"/>
-            <a:r>
-              <a:rPr lang="en-US" dirty="0">
-                <a:hlinkClick r:id="rId4"/>
-              </a:rPr>
-              <a:t>https://cloudant.com/blog/moving-from-oracle-to-couchdb-data-management-at-cern/#.VT-q-1xk_dk</a:t>
-            </a:r>
-            <a:endParaRPr lang="en-US" dirty="0"/>
-          </a:p>
-          <a:p>
-            <a:pPr lvl="1"/>
-            <a:endParaRPr lang="en-US" dirty="0"/>
-          </a:p>
-        </p:txBody>
-      </p:sp>
-      <p:sp>
-        <p:nvSpPr>
-          <p:cNvPr id="4" name="TextBox 3"/>
-          <p:cNvSpPr txBox="1"/>
+              <a:t> Concurrency Control</a:t>
+            </a:r>
+          </a:p>
+        </p:txBody>
+      </p:sp>
+      <p:pic>
+        <p:nvPicPr>
+          <p:cNvPr id="8" name="Picture 7"/>
+          <p:cNvPicPr>
+            <a:picLocks noChangeAspect="1"/>
+          </p:cNvPicPr>
           <p:nvPr/>
-        </p:nvSpPr>
+        </p:nvPicPr>
+        <p:blipFill>
+          <a:blip r:embed="rId3"/>
+          <a:stretch>
+            <a:fillRect/>
+          </a:stretch>
+        </p:blipFill>
         <p:spPr>
           <a:xfrm>
-            <a:off x="-2242207" y="2820276"/>
-            <a:ext cx="184666" cy="369332"/>
+            <a:off x="533400" y="2095500"/>
+            <a:ext cx="8077200" cy="2654300"/>
           </a:xfrm>
           <a:prstGeom prst="rect">
             <a:avLst/>
           </a:prstGeom>
-          <a:noFill/>
         </p:spPr>
-        <p:txBody>
-          <a:bodyPr wrap="none" rtlCol="0">
-            <a:spAutoFit/>
-          </a:bodyPr>
+      </p:pic>
+    </p:spTree>
+    <p:extLst>
+      <p:ext uri="{BB962C8B-B14F-4D97-AF65-F5344CB8AC3E}">
+        <p14:creationId xmlns:p14="http://schemas.microsoft.com/office/powerpoint/2010/main" val="3835155583"/>
+      </p:ext>
+    </p:extLst>
+  </p:cSld>
+  <p:clrMapOvr>
+    <a:masterClrMapping/>
+  </p:clrMapOvr>
+  <p:transition xmlns:p14="http://schemas.microsoft.com/office/powerpoint/2010/main">
+    <p:fade/>
+  </p:transition>
+  <p:timing>
+    <p:tnLst>
+      <p:par>
+        <p:cTn xmlns:p14="http://schemas.microsoft.com/office/powerpoint/2010/main" id="1" dur="indefinite" restart="never" nodeType="tmRoot"/>
+      </p:par>
+    </p:tnLst>
+  </p:timing>
+</p:sld>
+</file>
+
+<file path=ppt/slides/slide13.xml><?xml version="1.0" encoding="utf-8"?>
+<p:sld xmlns:a="http://schemas.openxmlformats.org/drawingml/2006/main" xmlns:r="http://schemas.openxmlformats.org/officeDocument/2006/relationships" xmlns:p="http://schemas.openxmlformats.org/presentationml/2006/main">
+  <p:cSld>
+    <p:spTree>
+      <p:nvGrpSpPr>
+        <p:cNvPr id="1" name=""/>
+        <p:cNvGrpSpPr/>
+        <p:nvPr/>
+      </p:nvGrpSpPr>
+      <p:grpSpPr>
+        <a:xfrm>
+          <a:off x="0" y="0"/>
+          <a:ext cx="0" cy="0"/>
+          <a:chOff x="0" y="0"/>
+          <a:chExt cx="0" cy="0"/>
+        </a:xfrm>
+      </p:grpSpPr>
+      <p:sp>
+        <p:nvSpPr>
+          <p:cNvPr id="2" name="Title 1"/>
+          <p:cNvSpPr>
+            <a:spLocks noGrp="1"/>
+          </p:cNvSpPr>
+          <p:nvPr>
+            <p:ph type="title"/>
+          </p:nvPr>
+        </p:nvSpPr>
+        <p:spPr/>
+        <p:txBody>
+          <a:bodyPr/>
           <a:lstStyle/>
           <a:p>
-            <a:endParaRPr lang="en-US"/>
+            <a:r>
+              <a:rPr lang="nl-BE" dirty="0" smtClean="0"/>
+              <a:t>CouchDB vs MongoDB</a:t>
+            </a:r>
+            <a:endParaRPr lang="nl-BE" dirty="0"/>
+          </a:p>
+        </p:txBody>
+      </p:sp>
+      <p:sp>
+        <p:nvSpPr>
+          <p:cNvPr id="3" name="Content Placeholder 2"/>
+          <p:cNvSpPr>
+            <a:spLocks noGrp="1"/>
+          </p:cNvSpPr>
+          <p:nvPr>
+            <p:ph idx="1"/>
+          </p:nvPr>
+        </p:nvSpPr>
+        <p:spPr/>
+        <p:txBody>
+          <a:bodyPr/>
+          <a:lstStyle/>
+          <a:p>
+            <a:r>
+              <a:rPr lang="nl-BE" dirty="0" smtClean="0"/>
+              <a:t>Multi</a:t>
+            </a:r>
+            <a:r>
+              <a:rPr lang="nl-BE" dirty="0" smtClean="0"/>
+              <a:t>-master replication vs Replica set</a:t>
+            </a:r>
+          </a:p>
+          <a:p>
+            <a:r>
+              <a:rPr lang="nl-BE" dirty="0" smtClean="0"/>
+              <a:t>Availability vs Consistency (</a:t>
+            </a:r>
+            <a:r>
+              <a:rPr lang="nl-BE" i="1" dirty="0" smtClean="0"/>
+              <a:t>see</a:t>
+            </a:r>
+            <a:r>
+              <a:rPr lang="nl-BE" dirty="0" smtClean="0"/>
+              <a:t> </a:t>
+            </a:r>
+            <a:r>
+              <a:rPr lang="nl-BE" i="1" dirty="0" smtClean="0"/>
+              <a:t>CAP theorem</a:t>
+            </a:r>
+            <a:r>
+              <a:rPr lang="nl-BE" dirty="0" smtClean="0"/>
+              <a:t>)</a:t>
+            </a:r>
+          </a:p>
+          <a:p>
+            <a:r>
+              <a:rPr lang="nl-BE" dirty="0" smtClean="0"/>
+              <a:t>Predefined Views (map functions) vs Dynamic queries</a:t>
+            </a:r>
+          </a:p>
+          <a:p>
+            <a:r>
+              <a:rPr lang="nl-BE" dirty="0" smtClean="0"/>
+              <a:t>“Giant datastore” vs Collections</a:t>
+            </a:r>
+            <a:endParaRPr lang="nl-BE" dirty="0"/>
+          </a:p>
+          <a:p>
+            <a:endParaRPr lang="nl-BE" dirty="0" smtClean="0"/>
+          </a:p>
+          <a:p>
+            <a:pPr lvl="1"/>
+            <a:endParaRPr lang="nl-BE" dirty="0"/>
+          </a:p>
+        </p:txBody>
+      </p:sp>
+    </p:spTree>
+    <p:extLst>
+      <p:ext uri="{BB962C8B-B14F-4D97-AF65-F5344CB8AC3E}">
+        <p14:creationId xmlns:p14="http://schemas.microsoft.com/office/powerpoint/2010/main" val="3313887573"/>
+      </p:ext>
+    </p:extLst>
+  </p:cSld>
+  <p:clrMapOvr>
+    <a:masterClrMapping/>
+  </p:clrMapOvr>
+  <p:transition xmlns:p14="http://schemas.microsoft.com/office/powerpoint/2010/main">
+    <p:fade/>
+  </p:transition>
+  <p:timing>
+    <p:tnLst>
+      <p:par>
+        <p:cTn xmlns:p14="http://schemas.microsoft.com/office/powerpoint/2010/main" id="1" dur="indefinite" restart="never" nodeType="tmRoot"/>
+      </p:par>
+    </p:tnLst>
+  </p:timing>
+</p:sld>
+</file>
+
+<file path=ppt/slides/slide14.xml><?xml version="1.0" encoding="utf-8"?>
+<p:sld xmlns:a="http://schemas.openxmlformats.org/drawingml/2006/main" xmlns:r="http://schemas.openxmlformats.org/officeDocument/2006/relationships" xmlns:p="http://schemas.openxmlformats.org/presentationml/2006/main">
+  <p:cSld>
+    <p:spTree>
+      <p:nvGrpSpPr>
+        <p:cNvPr id="1" name=""/>
+        <p:cNvGrpSpPr/>
+        <p:nvPr/>
+      </p:nvGrpSpPr>
+      <p:grpSpPr>
+        <a:xfrm>
+          <a:off x="0" y="0"/>
+          <a:ext cx="0" cy="0"/>
+          <a:chOff x="0" y="0"/>
+          <a:chExt cx="0" cy="0"/>
+        </a:xfrm>
+      </p:grpSpPr>
+      <p:sp>
+        <p:nvSpPr>
+          <p:cNvPr id="2" name="Title 1"/>
+          <p:cNvSpPr>
+            <a:spLocks noGrp="1"/>
+          </p:cNvSpPr>
+          <p:nvPr>
+            <p:ph type="title"/>
+          </p:nvPr>
+        </p:nvSpPr>
+        <p:spPr/>
+        <p:txBody>
+          <a:bodyPr/>
+          <a:lstStyle/>
+          <a:p>
+            <a:r>
+              <a:rPr lang="en-US" dirty="0" smtClean="0"/>
+              <a:t>Views</a:t>
+            </a:r>
+            <a:endParaRPr lang="en-US" dirty="0"/>
+          </a:p>
+        </p:txBody>
+      </p:sp>
+      <p:sp>
+        <p:nvSpPr>
+          <p:cNvPr id="3" name="Content Placeholder 2"/>
+          <p:cNvSpPr>
+            <a:spLocks noGrp="1"/>
+          </p:cNvSpPr>
+          <p:nvPr>
+            <p:ph idx="1"/>
+          </p:nvPr>
+        </p:nvSpPr>
+        <p:spPr/>
+        <p:txBody>
+          <a:bodyPr/>
+          <a:lstStyle/>
+          <a:p>
+            <a:pPr marL="0" indent="0">
+              <a:buNone/>
+            </a:pPr>
+            <a:endParaRPr lang="en-US" dirty="0" smtClean="0"/>
+          </a:p>
+          <a:p>
+            <a:r>
+              <a:rPr lang="en-US" dirty="0" smtClean="0"/>
+              <a:t>Used for extracting/filtering documents</a:t>
+            </a:r>
+          </a:p>
+          <a:p>
+            <a:r>
+              <a:rPr lang="en-US" dirty="0" smtClean="0"/>
+              <a:t>Part of </a:t>
+            </a:r>
+            <a:r>
+              <a:rPr lang="en-US" dirty="0" err="1" smtClean="0"/>
+              <a:t>MapReduce</a:t>
+            </a:r>
+            <a:endParaRPr lang="en-US" dirty="0" smtClean="0"/>
+          </a:p>
+          <a:p>
+            <a:r>
+              <a:rPr lang="en-US" dirty="0" smtClean="0"/>
+              <a:t>Index built during query</a:t>
+            </a:r>
+          </a:p>
+          <a:p>
+            <a:pPr lvl="1"/>
+            <a:r>
+              <a:rPr lang="en-US" dirty="0" smtClean="0"/>
+              <a:t>Built from changes feed</a:t>
+            </a:r>
+          </a:p>
+          <a:p>
+            <a:pPr lvl="1"/>
+            <a:r>
+              <a:rPr lang="en-US" dirty="0" smtClean="0"/>
+              <a:t>Having many indexes doesn’t slow down new document insertion</a:t>
+            </a:r>
+          </a:p>
+          <a:p>
+            <a:pPr lvl="1"/>
+            <a:r>
+              <a:rPr lang="en-US" dirty="0" smtClean="0"/>
+              <a:t>The very first query to a view can take a while to complete</a:t>
+            </a:r>
+          </a:p>
+          <a:p>
+            <a:pPr lvl="1"/>
+            <a:endParaRPr lang="en-US" dirty="0"/>
+          </a:p>
+        </p:txBody>
+      </p:sp>
+    </p:spTree>
+    <p:extLst>
+      <p:ext uri="{BB962C8B-B14F-4D97-AF65-F5344CB8AC3E}">
+        <p14:creationId xmlns:p14="http://schemas.microsoft.com/office/powerpoint/2010/main" val="754962965"/>
+      </p:ext>
+    </p:extLst>
+  </p:cSld>
+  <p:clrMapOvr>
+    <a:masterClrMapping/>
+  </p:clrMapOvr>
+  <p:transition xmlns:p14="http://schemas.microsoft.com/office/powerpoint/2010/main">
+    <p:fade/>
+  </p:transition>
+  <p:timing>
+    <p:tnLst>
+      <p:par>
+        <p:cTn xmlns:p14="http://schemas.microsoft.com/office/powerpoint/2010/main" id="1" dur="indefinite" restart="never" nodeType="tmRoot"/>
+      </p:par>
+    </p:tnLst>
+  </p:timing>
+</p:sld>
+</file>
+
+<file path=ppt/slides/slide15.xml><?xml version="1.0" encoding="utf-8"?>
+<p:sld xmlns:a="http://schemas.openxmlformats.org/drawingml/2006/main" xmlns:r="http://schemas.openxmlformats.org/officeDocument/2006/relationships" xmlns:p="http://schemas.openxmlformats.org/presentationml/2006/main">
+  <p:cSld>
+    <p:spTree>
+      <p:nvGrpSpPr>
+        <p:cNvPr id="1" name=""/>
+        <p:cNvGrpSpPr/>
+        <p:nvPr/>
+      </p:nvGrpSpPr>
+      <p:grpSpPr>
+        <a:xfrm>
+          <a:off x="0" y="0"/>
+          <a:ext cx="0" cy="0"/>
+          <a:chOff x="0" y="0"/>
+          <a:chExt cx="0" cy="0"/>
+        </a:xfrm>
+      </p:grpSpPr>
+      <p:sp>
+        <p:nvSpPr>
+          <p:cNvPr id="2" name="Title 1"/>
+          <p:cNvSpPr>
+            <a:spLocks noGrp="1"/>
+          </p:cNvSpPr>
+          <p:nvPr>
+            <p:ph type="title"/>
+          </p:nvPr>
+        </p:nvSpPr>
+        <p:spPr/>
+        <p:txBody>
+          <a:bodyPr/>
+          <a:lstStyle/>
+          <a:p>
+            <a:r>
+              <a:rPr lang="en-US" dirty="0" smtClean="0"/>
+              <a:t>Core data storage</a:t>
+            </a:r>
+            <a:endParaRPr lang="en-US" dirty="0"/>
+          </a:p>
+        </p:txBody>
+      </p:sp>
+      <p:sp>
+        <p:nvSpPr>
+          <p:cNvPr id="3" name="Content Placeholder 2"/>
+          <p:cNvSpPr>
+            <a:spLocks noGrp="1"/>
+          </p:cNvSpPr>
+          <p:nvPr>
+            <p:ph idx="1"/>
+          </p:nvPr>
+        </p:nvSpPr>
+        <p:spPr/>
+        <p:txBody>
+          <a:bodyPr/>
+          <a:lstStyle/>
+          <a:p>
+            <a:r>
+              <a:rPr lang="en-US" dirty="0" smtClean="0"/>
+              <a:t>Can manage any number of logical databases</a:t>
+            </a:r>
+          </a:p>
+          <a:p>
+            <a:r>
+              <a:rPr lang="en-US" dirty="0" smtClean="0"/>
+              <a:t>Each DB backed by a single file in the </a:t>
+            </a:r>
+            <a:r>
+              <a:rPr lang="en-US" dirty="0" err="1" smtClean="0"/>
+              <a:t>filesystem</a:t>
+            </a:r>
+            <a:endParaRPr lang="en-US" dirty="0" smtClean="0"/>
+          </a:p>
+          <a:p>
+            <a:r>
+              <a:rPr lang="en-US" dirty="0" smtClean="0"/>
+              <a:t>Each view stored in separate file</a:t>
+            </a:r>
+          </a:p>
+          <a:p>
+            <a:r>
+              <a:rPr lang="en-US" dirty="0" smtClean="0"/>
+              <a:t>Any new data is appended to the end of the file</a:t>
+            </a:r>
+          </a:p>
+          <a:p>
+            <a:r>
+              <a:rPr lang="en-US" dirty="0" smtClean="0"/>
+              <a:t>Old data can be cleaned up by “compaction”</a:t>
+            </a:r>
+            <a:endParaRPr lang="en-US" dirty="0"/>
+          </a:p>
+        </p:txBody>
+      </p:sp>
+    </p:spTree>
+    <p:extLst>
+      <p:ext uri="{BB962C8B-B14F-4D97-AF65-F5344CB8AC3E}">
+        <p14:creationId xmlns:p14="http://schemas.microsoft.com/office/powerpoint/2010/main" val="2690872957"/>
+      </p:ext>
+    </p:extLst>
+  </p:cSld>
+  <p:clrMapOvr>
+    <a:masterClrMapping/>
+  </p:clrMapOvr>
+  <p:transition xmlns:p14="http://schemas.microsoft.com/office/powerpoint/2010/main">
+    <p:fade/>
+  </p:transition>
+  <p:timing>
+    <p:tnLst>
+      <p:par>
+        <p:cTn xmlns:p14="http://schemas.microsoft.com/office/powerpoint/2010/main" id="1" dur="indefinite" restart="never" nodeType="tmRoot"/>
+      </p:par>
+    </p:tnLst>
+  </p:timing>
+</p:sld>
+</file>
+
+<file path=ppt/slides/slide16.xml><?xml version="1.0" encoding="utf-8"?>
+<p:sld xmlns:a="http://schemas.openxmlformats.org/drawingml/2006/main" xmlns:r="http://schemas.openxmlformats.org/officeDocument/2006/relationships" xmlns:p="http://schemas.openxmlformats.org/presentationml/2006/main">
+  <p:cSld>
+    <p:spTree>
+      <p:nvGrpSpPr>
+        <p:cNvPr id="1" name=""/>
+        <p:cNvGrpSpPr/>
+        <p:nvPr/>
+      </p:nvGrpSpPr>
+      <p:grpSpPr>
+        <a:xfrm>
+          <a:off x="0" y="0"/>
+          <a:ext cx="0" cy="0"/>
+          <a:chOff x="0" y="0"/>
+          <a:chExt cx="0" cy="0"/>
+        </a:xfrm>
+      </p:grpSpPr>
+      <p:sp>
+        <p:nvSpPr>
+          <p:cNvPr id="2" name="Title 1"/>
+          <p:cNvSpPr>
+            <a:spLocks noGrp="1"/>
+          </p:cNvSpPr>
+          <p:nvPr>
+            <p:ph type="title"/>
+          </p:nvPr>
+        </p:nvSpPr>
+        <p:spPr/>
+        <p:txBody>
+          <a:bodyPr/>
+          <a:lstStyle/>
+          <a:p>
+            <a:r>
+              <a:rPr lang="en-US" dirty="0" smtClean="0"/>
+              <a:t>Use cases</a:t>
+            </a:r>
+            <a:endParaRPr lang="en-US" dirty="0"/>
+          </a:p>
+        </p:txBody>
+      </p:sp>
+      <p:sp>
+        <p:nvSpPr>
+          <p:cNvPr id="3" name="Content Placeholder 2"/>
+          <p:cNvSpPr>
+            <a:spLocks noGrp="1"/>
+          </p:cNvSpPr>
+          <p:nvPr>
+            <p:ph idx="1"/>
+          </p:nvPr>
+        </p:nvSpPr>
+        <p:spPr/>
+        <p:txBody>
+          <a:bodyPr/>
+          <a:lstStyle/>
+          <a:p>
+            <a:r>
+              <a:rPr lang="en-US" dirty="0"/>
+              <a:t>Large Hadron Collider </a:t>
+            </a:r>
+            <a:endParaRPr lang="en-US" dirty="0" smtClean="0"/>
+          </a:p>
+          <a:p>
+            <a:pPr lvl="1"/>
+            <a:r>
+              <a:rPr lang="en-US" dirty="0">
+                <a:hlinkClick r:id="rId3"/>
+              </a:rPr>
+              <a:t>http://readwrite.com/2010/08/26/lhc-</a:t>
+            </a:r>
+            <a:r>
+              <a:rPr lang="en-US" dirty="0" smtClean="0">
+                <a:hlinkClick r:id="rId3"/>
+              </a:rPr>
+              <a:t>couchdb</a:t>
+            </a:r>
+            <a:r>
+              <a:rPr lang="en-US" dirty="0" smtClean="0"/>
+              <a:t> </a:t>
+            </a:r>
+          </a:p>
+          <a:p>
+            <a:pPr lvl="1"/>
+            <a:r>
+              <a:rPr lang="en-US" dirty="0" smtClean="0">
+                <a:hlinkClick r:id="rId4"/>
+              </a:rPr>
+              <a:t>http</a:t>
+            </a:r>
+            <a:r>
+              <a:rPr lang="en-US" dirty="0">
+                <a:hlinkClick r:id="rId4"/>
+              </a:rPr>
+              <a:t>://www.couchbase.com/sites/default/files/pdf/case-studies/Cern%20CB%20-%202010%</a:t>
+            </a:r>
+            <a:r>
+              <a:rPr lang="en-US" dirty="0" smtClean="0">
+                <a:hlinkClick r:id="rId4"/>
+              </a:rPr>
+              <a:t>20Aug.pdf</a:t>
+            </a:r>
+            <a:endParaRPr lang="en-US" dirty="0"/>
+          </a:p>
+          <a:p>
+            <a:endParaRPr lang="en-US" dirty="0" smtClean="0"/>
+          </a:p>
+          <a:p>
+            <a:r>
+              <a:rPr lang="en-US" dirty="0" smtClean="0"/>
+              <a:t>CERN</a:t>
+            </a:r>
+          </a:p>
+          <a:p>
+            <a:pPr lvl="1"/>
+            <a:r>
+              <a:rPr lang="en-US" dirty="0">
+                <a:hlinkClick r:id="rId5"/>
+              </a:rPr>
+              <a:t>https://cloudant.com/blog/moving-from-oracle-to-couchdb-data-management-at-cern/#.VT-q-1xk_dk</a:t>
+            </a:r>
+            <a:endParaRPr lang="en-US" dirty="0"/>
+          </a:p>
+          <a:p>
+            <a:pPr lvl="1"/>
+            <a:endParaRPr lang="en-US" dirty="0"/>
           </a:p>
         </p:txBody>
       </p:sp>
@@ -7112,7 +8115,7 @@
 </p:sld>
 </file>
 
-<file path=ppt/slides/slide13.xml><?xml version="1.0" encoding="utf-8"?>
+<file path=ppt/slides/slide17.xml><?xml version="1.0" encoding="utf-8"?>
 <p:sld xmlns:a="http://schemas.openxmlformats.org/drawingml/2006/main" xmlns:r="http://schemas.openxmlformats.org/officeDocument/2006/relationships" xmlns:p="http://schemas.openxmlformats.org/presentationml/2006/main">
   <p:cSld>
     <p:spTree>
@@ -7311,7 +8314,7 @@
           <a:p>
             <a:r>
               <a:rPr lang="nl-BE" dirty="0" smtClean="0"/>
-              <a:t>Demo</a:t>
+              <a:t>CouchDB demo</a:t>
             </a:r>
             <a:endParaRPr lang="nl-BE" dirty="0"/>
           </a:p>
@@ -7408,7 +8411,15 @@
             <a:pPr lvl="0"/>
             <a:r>
               <a:rPr lang="en-US" dirty="0"/>
-              <a:t>JSON document-oriented database (aka “document store”</a:t>
+              <a:t>D</a:t>
+            </a:r>
+            <a:r>
+              <a:rPr lang="en-US" dirty="0" smtClean="0"/>
+              <a:t>ocument</a:t>
+            </a:r>
+            <a:r>
+              <a:rPr lang="en-US" dirty="0"/>
+              <a:t>-oriented database (aka “document store”</a:t>
             </a:r>
             <a:r>
               <a:rPr lang="en-US" dirty="0" smtClean="0"/>
@@ -7592,7 +8603,95 @@
           <a:p>
             <a:r>
               <a:rPr lang="en-US" dirty="0" smtClean="0"/>
-              <a:t>JSON document (adding metadata)</a:t>
+              <a:t>JSON document (cont.)</a:t>
+            </a:r>
+            <a:endParaRPr lang="en-US" dirty="0"/>
+          </a:p>
+        </p:txBody>
+      </p:sp>
+      <p:pic>
+        <p:nvPicPr>
+          <p:cNvPr id="4" name="Content Placeholder 3" descr="Screenshot 2015-06-08 14.18.06.png"/>
+          <p:cNvPicPr>
+            <a:picLocks noGrp="1" noChangeAspect="1"/>
+          </p:cNvPicPr>
+          <p:nvPr>
+            <p:ph idx="1"/>
+          </p:nvPr>
+        </p:nvPicPr>
+        <p:blipFill>
+          <a:blip r:embed="rId2">
+            <a:extLst>
+              <a:ext uri="{28A0092B-C50C-407E-A947-70E740481C1C}">
+                <a14:useLocalDpi xmlns:a14="http://schemas.microsoft.com/office/drawing/2010/main" val="0"/>
+              </a:ext>
+            </a:extLst>
+          </a:blip>
+          <a:srcRect l="-11085" r="-11085"/>
+          <a:stretch>
+            <a:fillRect/>
+          </a:stretch>
+        </p:blipFill>
+        <p:spPr/>
+      </p:pic>
+    </p:spTree>
+    <p:extLst>
+      <p:ext uri="{BB962C8B-B14F-4D97-AF65-F5344CB8AC3E}">
+        <p14:creationId xmlns:p14="http://schemas.microsoft.com/office/powerpoint/2010/main" val="943819493"/>
+      </p:ext>
+    </p:extLst>
+  </p:cSld>
+  <p:clrMapOvr>
+    <a:masterClrMapping/>
+  </p:clrMapOvr>
+  <p:transition xmlns:p14="http://schemas.microsoft.com/office/powerpoint/2010/main">
+    <p:fade/>
+  </p:transition>
+  <p:timing>
+    <p:tnLst>
+      <p:par>
+        <p:cTn xmlns:p14="http://schemas.microsoft.com/office/powerpoint/2010/main" id="1" dur="indefinite" restart="never" nodeType="tmRoot"/>
+      </p:par>
+    </p:tnLst>
+  </p:timing>
+</p:sld>
+</file>
+
+<file path=ppt/slides/slide6.xml><?xml version="1.0" encoding="utf-8"?>
+<p:sld xmlns:a="http://schemas.openxmlformats.org/drawingml/2006/main" xmlns:r="http://schemas.openxmlformats.org/officeDocument/2006/relationships" xmlns:p="http://schemas.openxmlformats.org/presentationml/2006/main">
+  <p:cSld>
+    <p:spTree>
+      <p:nvGrpSpPr>
+        <p:cNvPr id="1" name=""/>
+        <p:cNvGrpSpPr/>
+        <p:nvPr/>
+      </p:nvGrpSpPr>
+      <p:grpSpPr>
+        <a:xfrm>
+          <a:off x="0" y="0"/>
+          <a:ext cx="0" cy="0"/>
+          <a:chOff x="0" y="0"/>
+          <a:chExt cx="0" cy="0"/>
+        </a:xfrm>
+      </p:grpSpPr>
+      <p:sp>
+        <p:nvSpPr>
+          <p:cNvPr id="2" name="Title 1"/>
+          <p:cNvSpPr>
+            <a:spLocks noGrp="1"/>
+          </p:cNvSpPr>
+          <p:nvPr>
+            <p:ph type="title"/>
+          </p:nvPr>
+        </p:nvSpPr>
+        <p:spPr/>
+        <p:txBody>
+          <a:bodyPr/>
+          <a:lstStyle/>
+          <a:p>
+            <a:r>
+              <a:rPr lang="en-US" dirty="0" smtClean="0"/>
+              <a:t>JSON document (metadata)</a:t>
             </a:r>
             <a:endParaRPr lang="en-US" dirty="0"/>
           </a:p>
@@ -7646,127 +8745,6 @@
 </p:sld>
 </file>
 
-<file path=ppt/slides/slide6.xml><?xml version="1.0" encoding="utf-8"?>
-<p:sld xmlns:a="http://schemas.openxmlformats.org/drawingml/2006/main" xmlns:r="http://schemas.openxmlformats.org/officeDocument/2006/relationships" xmlns:p="http://schemas.openxmlformats.org/presentationml/2006/main">
-  <p:cSld>
-    <p:spTree>
-      <p:nvGrpSpPr>
-        <p:cNvPr id="1" name=""/>
-        <p:cNvGrpSpPr/>
-        <p:nvPr/>
-      </p:nvGrpSpPr>
-      <p:grpSpPr>
-        <a:xfrm>
-          <a:off x="0" y="0"/>
-          <a:ext cx="0" cy="0"/>
-          <a:chOff x="0" y="0"/>
-          <a:chExt cx="0" cy="0"/>
-        </a:xfrm>
-      </p:grpSpPr>
-      <p:sp>
-        <p:nvSpPr>
-          <p:cNvPr id="2" name="Title 1"/>
-          <p:cNvSpPr>
-            <a:spLocks noGrp="1"/>
-          </p:cNvSpPr>
-          <p:nvPr>
-            <p:ph type="title"/>
-          </p:nvPr>
-        </p:nvSpPr>
-        <p:spPr/>
-        <p:txBody>
-          <a:bodyPr/>
-          <a:lstStyle/>
-          <a:p>
-            <a:r>
-              <a:rPr lang="nl-BE" dirty="0" smtClean="0"/>
-              <a:t>Document-oriented databases</a:t>
-            </a:r>
-            <a:endParaRPr lang="nl-BE" dirty="0"/>
-          </a:p>
-        </p:txBody>
-      </p:sp>
-      <p:sp>
-        <p:nvSpPr>
-          <p:cNvPr id="3" name="Content Placeholder 2"/>
-          <p:cNvSpPr>
-            <a:spLocks noGrp="1"/>
-          </p:cNvSpPr>
-          <p:nvPr>
-            <p:ph idx="1"/>
-          </p:nvPr>
-        </p:nvSpPr>
-        <p:spPr/>
-        <p:txBody>
-          <a:bodyPr/>
-          <a:lstStyle/>
-          <a:p>
-            <a:r>
-              <a:rPr lang="nl-BE" dirty="0" smtClean="0"/>
-              <a:t>MongoDB</a:t>
-            </a:r>
-            <a:endParaRPr lang="nl-BE" dirty="0" smtClean="0"/>
-          </a:p>
-          <a:p>
-            <a:r>
-              <a:rPr lang="nl-BE" dirty="0" smtClean="0"/>
-              <a:t>CouchDB</a:t>
-            </a:r>
-            <a:endParaRPr lang="nl-BE" dirty="0" smtClean="0"/>
-          </a:p>
-          <a:p>
-            <a:r>
-              <a:rPr lang="nl-BE" dirty="0" smtClean="0"/>
-              <a:t>Couchbase</a:t>
-            </a:r>
-            <a:endParaRPr lang="nl-BE" dirty="0" smtClean="0"/>
-          </a:p>
-          <a:p>
-            <a:r>
-              <a:rPr lang="nl-BE" dirty="0" smtClean="0"/>
-              <a:t>Amazon DynamoDB</a:t>
-            </a:r>
-            <a:endParaRPr lang="nl-BE" dirty="0" smtClean="0"/>
-          </a:p>
-          <a:p>
-            <a:r>
-              <a:rPr lang="nl-BE" dirty="0" smtClean="0"/>
-              <a:t>RavenDB (for .NET)</a:t>
-            </a:r>
-            <a:endParaRPr lang="nl-BE" dirty="0" smtClean="0"/>
-          </a:p>
-          <a:p>
-            <a:r>
-              <a:rPr lang="nl-BE" dirty="0" smtClean="0"/>
-              <a:t>GemFire</a:t>
-            </a:r>
-            <a:endParaRPr lang="nl-BE" dirty="0" smtClean="0"/>
-          </a:p>
-        </p:txBody>
-      </p:sp>
-    </p:spTree>
-    <p:extLst>
-      <p:ext uri="{BB962C8B-B14F-4D97-AF65-F5344CB8AC3E}">
-        <p14:creationId xmlns:p14="http://schemas.microsoft.com/office/powerpoint/2010/main" val="1103551643"/>
-      </p:ext>
-    </p:extLst>
-  </p:cSld>
-  <p:clrMapOvr>
-    <a:masterClrMapping/>
-  </p:clrMapOvr>
-  <p:transition xmlns:p14="http://schemas.microsoft.com/office/powerpoint/2010/main">
-    <p:fade/>
-  </p:transition>
-  <p:timing>
-    <p:tnLst>
-      <p:par>
-        <p:cTn xmlns:p14="http://schemas.microsoft.com/office/powerpoint/2010/main" id="1" dur="indefinite" restart="never" nodeType="tmRoot"/>
-      </p:par>
-    </p:tnLst>
-  </p:timing>
-</p:sld>
-</file>
-
 <file path=ppt/slides/slide7.xml><?xml version="1.0" encoding="utf-8"?>
 <p:sld xmlns:a="http://schemas.openxmlformats.org/drawingml/2006/main" xmlns:r="http://schemas.openxmlformats.org/officeDocument/2006/relationships" xmlns:p="http://schemas.openxmlformats.org/presentationml/2006/main">
   <p:cSld>
@@ -7786,103 +8764,56 @@
       </p:grpSpPr>
       <p:sp>
         <p:nvSpPr>
-          <p:cNvPr id="5" name="Title 4"/>
+          <p:cNvPr id="2" name="Title 1"/>
           <p:cNvSpPr>
             <a:spLocks noGrp="1"/>
           </p:cNvSpPr>
           <p:nvPr>
-            <p:ph type="ctrTitle"/>
-          </p:nvPr>
-        </p:nvSpPr>
-        <p:spPr>
-          <a:xfrm>
-            <a:off x="1331640" y="3933056"/>
-            <a:ext cx="6559051" cy="1143008"/>
-          </a:xfrm>
-        </p:spPr>
+            <p:ph type="title"/>
+          </p:nvPr>
+        </p:nvSpPr>
+        <p:spPr/>
         <p:txBody>
           <a:bodyPr/>
           <a:lstStyle/>
           <a:p>
-            <a:pPr algn="ctr"/>
-            <a:r>
-              <a:rPr lang="en-US" dirty="0" err="1" smtClean="0"/>
-              <a:t>CouchDB</a:t>
-            </a:r>
-            <a:endParaRPr lang="en-US" dirty="0"/>
+            <a:r>
+              <a:rPr lang="nl-BE" dirty="0" smtClean="0"/>
+              <a:t>Document-oriented databases</a:t>
+            </a:r>
+            <a:endParaRPr lang="nl-BE" dirty="0"/>
           </a:p>
         </p:txBody>
       </p:sp>
       <p:pic>
         <p:nvPicPr>
-          <p:cNvPr id="3" name="Picture Placeholder 2" descr="couchdb-site-white.png"/>
+          <p:cNvPr id="4" name="Content Placeholder 3" descr="Screenshot 2015-06-08 13.59.18.png"/>
           <p:cNvPicPr>
             <a:picLocks noGrp="1" noChangeAspect="1"/>
           </p:cNvPicPr>
           <p:nvPr>
-            <p:ph type="pic" sz="quarter" idx="10"/>
+            <p:ph idx="1"/>
           </p:nvPr>
         </p:nvPicPr>
         <p:blipFill>
-          <a:blip r:embed="rId2">
+          <a:blip r:embed="rId3">
             <a:extLst>
               <a:ext uri="{28A0092B-C50C-407E-A947-70E740481C1C}">
                 <a14:useLocalDpi xmlns:a14="http://schemas.microsoft.com/office/drawing/2010/main" val="0"/>
               </a:ext>
             </a:extLst>
           </a:blip>
-          <a:srcRect t="-15173" b="-15173"/>
+          <a:srcRect l="1249" r="1249"/>
           <a:stretch>
             <a:fillRect/>
           </a:stretch>
         </p:blipFill>
-        <p:spPr>
-          <a:xfrm>
-            <a:off x="2123728" y="836712"/>
-            <a:ext cx="4752528" cy="1819328"/>
-          </a:xfrm>
-        </p:spPr>
+        <p:spPr/>
       </p:pic>
-      <p:sp>
-        <p:nvSpPr>
-          <p:cNvPr id="4" name="TextBox 3"/>
-          <p:cNvSpPr txBox="1"/>
-          <p:nvPr/>
-        </p:nvSpPr>
-        <p:spPr>
-          <a:xfrm>
-            <a:off x="3563888" y="5877272"/>
-            <a:ext cx="2160240" cy="215444"/>
-          </a:xfrm>
-          <a:prstGeom prst="rect">
-            <a:avLst/>
-          </a:prstGeom>
-          <a:noFill/>
-        </p:spPr>
-        <p:txBody>
-          <a:bodyPr wrap="square" rtlCol="0">
-            <a:spAutoFit/>
-          </a:bodyPr>
-          <a:lstStyle/>
-          <a:p>
-            <a:r>
-              <a:rPr lang="en-US" sz="800" dirty="0">
-                <a:solidFill>
-                  <a:schemeClr val="accent3">
-                    <a:lumMod val="40000"/>
-                    <a:lumOff val="60000"/>
-                  </a:schemeClr>
-                </a:solidFill>
-              </a:rPr>
-              <a:t>Cluster Of Unreliable Commodity Hardware</a:t>
-            </a:r>
-          </a:p>
-        </p:txBody>
-      </p:sp>
     </p:spTree>
     <p:extLst>
       <p:ext uri="{BB962C8B-B14F-4D97-AF65-F5344CB8AC3E}">
-        <p14:creationId xmlns:p14="http://schemas.microsoft.com/office/powerpoint/2010/main" val="67834434"/>
+        <p14:creationId xmlns:p14="http://schemas.microsoft.com/office/powerpoint/2010/main" val="1103551643"/>
       </p:ext>
     </p:extLst>
   </p:cSld>
@@ -7921,128 +8852,103 @@
       </p:grpSpPr>
       <p:sp>
         <p:nvSpPr>
-          <p:cNvPr id="2" name="Title 1"/>
+          <p:cNvPr id="5" name="Title 4"/>
           <p:cNvSpPr>
             <a:spLocks noGrp="1"/>
           </p:cNvSpPr>
           <p:nvPr>
-            <p:ph type="title"/>
-          </p:nvPr>
-        </p:nvSpPr>
-        <p:spPr/>
+            <p:ph type="ctrTitle"/>
+          </p:nvPr>
+        </p:nvSpPr>
+        <p:spPr>
+          <a:xfrm>
+            <a:off x="1331640" y="3933056"/>
+            <a:ext cx="6559051" cy="1143008"/>
+          </a:xfrm>
+        </p:spPr>
         <p:txBody>
           <a:bodyPr/>
           <a:lstStyle/>
           <a:p>
-            <a:r>
-              <a:rPr lang="nl-BE" dirty="0" smtClean="0"/>
-              <a:t>CouchDB intro</a:t>
-            </a:r>
-            <a:endParaRPr lang="nl-BE" dirty="0"/>
-          </a:p>
-        </p:txBody>
-      </p:sp>
-      <p:sp>
-        <p:nvSpPr>
-          <p:cNvPr id="3" name="Content Placeholder 2"/>
-          <p:cNvSpPr>
-            <a:spLocks noGrp="1"/>
-          </p:cNvSpPr>
-          <p:nvPr>
-            <p:ph idx="1"/>
-          </p:nvPr>
-        </p:nvSpPr>
-        <p:spPr/>
-        <p:txBody>
-          <a:bodyPr/>
+            <a:pPr algn="ctr"/>
+            <a:r>
+              <a:rPr lang="en-US" dirty="0" err="1" smtClean="0"/>
+              <a:t>CouchDB</a:t>
+            </a:r>
+            <a:endParaRPr lang="en-US" dirty="0"/>
+          </a:p>
+        </p:txBody>
+      </p:sp>
+      <p:pic>
+        <p:nvPicPr>
+          <p:cNvPr id="3" name="Picture Placeholder 2" descr="couchdb-site-white.png"/>
+          <p:cNvPicPr>
+            <a:picLocks noGrp="1" noChangeAspect="1"/>
+          </p:cNvPicPr>
+          <p:nvPr>
+            <p:ph type="pic" sz="quarter" idx="10"/>
+          </p:nvPr>
+        </p:nvPicPr>
+        <p:blipFill>
+          <a:blip r:embed="rId2">
+            <a:extLst>
+              <a:ext uri="{28A0092B-C50C-407E-A947-70E740481C1C}">
+                <a14:useLocalDpi xmlns:a14="http://schemas.microsoft.com/office/drawing/2010/main" val="0"/>
+              </a:ext>
+            </a:extLst>
+          </a:blip>
+          <a:srcRect t="-15173" b="-15173"/>
+          <a:stretch>
+            <a:fillRect/>
+          </a:stretch>
+        </p:blipFill>
+        <p:spPr>
+          <a:xfrm>
+            <a:off x="2123728" y="836712"/>
+            <a:ext cx="4752528" cy="1819328"/>
+          </a:xfrm>
+        </p:spPr>
+      </p:pic>
+      <p:sp>
+        <p:nvSpPr>
+          <p:cNvPr id="4" name="TextBox 3"/>
+          <p:cNvSpPr txBox="1"/>
+          <p:nvPr/>
+        </p:nvSpPr>
+        <p:spPr>
+          <a:xfrm>
+            <a:off x="3563888" y="5877272"/>
+            <a:ext cx="2160240" cy="215444"/>
+          </a:xfrm>
+          <a:prstGeom prst="rect">
+            <a:avLst/>
+          </a:prstGeom>
+          <a:noFill/>
+        </p:spPr>
+        <p:txBody>
+          <a:bodyPr wrap="square" rtlCol="0">
+            <a:spAutoFit/>
+          </a:bodyPr>
           <a:lstStyle/>
           <a:p>
             <a:r>
-              <a:rPr lang="en-US" dirty="0"/>
-              <a:t>JSON document-oriented database </a:t>
-            </a:r>
-            <a:endParaRPr lang="en-US" dirty="0" smtClean="0"/>
-          </a:p>
-          <a:p>
-            <a:pPr lvl="0"/>
-            <a:r>
-              <a:rPr lang="en-US" dirty="0"/>
-              <a:t>H</a:t>
-            </a:r>
-            <a:r>
-              <a:rPr lang="en-US" dirty="0" smtClean="0"/>
-              <a:t>ighly concurrent </a:t>
-            </a:r>
-          </a:p>
-          <a:p>
-            <a:pPr lvl="0"/>
-            <a:r>
-              <a:rPr lang="en-US" dirty="0" smtClean="0"/>
-              <a:t>Append-only </a:t>
-            </a:r>
-            <a:r>
-              <a:rPr lang="en-US" dirty="0"/>
-              <a:t>database </a:t>
-            </a:r>
-          </a:p>
-          <a:p>
-            <a:r>
-              <a:rPr lang="en-US" dirty="0" err="1"/>
-              <a:t>RESTful</a:t>
-            </a:r>
-            <a:r>
-              <a:rPr lang="en-US" dirty="0"/>
-              <a:t> </a:t>
-            </a:r>
-            <a:r>
-              <a:rPr lang="en-US" dirty="0" smtClean="0"/>
-              <a:t>interface </a:t>
-            </a:r>
-          </a:p>
-          <a:p>
-            <a:pPr lvl="0"/>
-            <a:r>
-              <a:rPr lang="en-US" dirty="0"/>
-              <a:t>M</a:t>
-            </a:r>
-            <a:r>
-              <a:rPr lang="en-US" dirty="0" smtClean="0"/>
-              <a:t>akes </a:t>
-            </a:r>
-            <a:r>
-              <a:rPr lang="en-US" dirty="0"/>
-              <a:t>use of map/reduce to index and query the database</a:t>
-            </a:r>
-          </a:p>
-          <a:p>
-            <a:r>
-              <a:rPr lang="en-US" dirty="0"/>
-              <a:t>Built for </a:t>
-            </a:r>
-            <a:r>
-              <a:rPr lang="en-US" dirty="0" smtClean="0"/>
-              <a:t>Offline</a:t>
-            </a:r>
-          </a:p>
-          <a:p>
-            <a:r>
-              <a:rPr lang="en-US" dirty="0" smtClean="0"/>
-              <a:t>Replication Filters</a:t>
-            </a:r>
-          </a:p>
-          <a:p>
-            <a:r>
-              <a:rPr lang="en-US" dirty="0" smtClean="0"/>
-              <a:t>Binary data storage (attachments)</a:t>
-            </a:r>
-            <a:endParaRPr lang="en-US" dirty="0"/>
+              <a:rPr lang="en-US" sz="800" dirty="0">
+                <a:solidFill>
+                  <a:schemeClr val="accent3">
+                    <a:lumMod val="40000"/>
+                    <a:lumOff val="60000"/>
+                  </a:schemeClr>
+                </a:solidFill>
+              </a:rPr>
+              <a:t>Cluster Of Unreliable Commodity Hardware</a:t>
+            </a:r>
           </a:p>
         </p:txBody>
       </p:sp>
     </p:spTree>
     <p:extLst>
       <p:ext uri="{BB962C8B-B14F-4D97-AF65-F5344CB8AC3E}">
-        <p14:creationId xmlns:p14="http://schemas.microsoft.com/office/powerpoint/2010/main" val="3033330028"/>
+        <p14:creationId xmlns:p14="http://schemas.microsoft.com/office/powerpoint/2010/main" val="67834434"/>
       </p:ext>
     </p:extLst>
   </p:cSld>
@@ -8095,69 +9001,543 @@
           <a:lstStyle/>
           <a:p>
             <a:r>
-              <a:rPr lang="nl-BE" dirty="0" smtClean="0"/>
-              <a:t>CouchDB vs MongoDB</a:t>
-            </a:r>
-            <a:endParaRPr lang="nl-BE" dirty="0"/>
-          </a:p>
-        </p:txBody>
-      </p:sp>
-      <p:sp>
-        <p:nvSpPr>
-          <p:cNvPr id="3" name="Content Placeholder 2"/>
-          <p:cNvSpPr>
-            <a:spLocks noGrp="1"/>
-          </p:cNvSpPr>
+              <a:rPr lang="en-US" dirty="0" err="1" smtClean="0"/>
+              <a:t>CouchDB</a:t>
+            </a:r>
+            <a:r>
+              <a:rPr lang="en-US" dirty="0" smtClean="0"/>
+              <a:t> intro – Multi-master replication</a:t>
+            </a:r>
+            <a:endParaRPr lang="en-US" dirty="0"/>
+          </a:p>
+        </p:txBody>
+      </p:sp>
+      <p:pic>
+        <p:nvPicPr>
+          <p:cNvPr id="4" name="Content Placeholder 3" descr="couchdb-logo.png"/>
+          <p:cNvPicPr>
+            <a:picLocks noGrp="1" noChangeAspect="1"/>
+          </p:cNvPicPr>
           <p:nvPr>
             <p:ph idx="1"/>
           </p:nvPr>
-        </p:nvSpPr>
-        <p:spPr/>
+        </p:nvPicPr>
+        <p:blipFill>
+          <a:blip r:embed="rId2">
+            <a:extLst>
+              <a:ext uri="{28A0092B-C50C-407E-A947-70E740481C1C}">
+                <a14:useLocalDpi xmlns:a14="http://schemas.microsoft.com/office/drawing/2010/main" val="0"/>
+              </a:ext>
+            </a:extLst>
+          </a:blip>
+          <a:srcRect l="-30753" r="-30753"/>
+          <a:stretch>
+            <a:fillRect/>
+          </a:stretch>
+        </p:blipFill>
+        <p:spPr>
+          <a:xfrm>
+            <a:off x="323851" y="1268414"/>
+            <a:ext cx="2807989" cy="1580566"/>
+          </a:xfrm>
+        </p:spPr>
+      </p:pic>
+      <p:pic>
+        <p:nvPicPr>
+          <p:cNvPr id="5" name="Content Placeholder 3" descr="couchdb-logo.png"/>
+          <p:cNvPicPr>
+            <a:picLocks noChangeAspect="1"/>
+          </p:cNvPicPr>
+          <p:nvPr/>
+        </p:nvPicPr>
+        <p:blipFill>
+          <a:blip r:embed="rId2">
+            <a:extLst>
+              <a:ext uri="{28A0092B-C50C-407E-A947-70E740481C1C}">
+                <a14:useLocalDpi xmlns:a14="http://schemas.microsoft.com/office/drawing/2010/main" val="0"/>
+              </a:ext>
+            </a:extLst>
+          </a:blip>
+          <a:srcRect l="-30753" r="-30753"/>
+          <a:stretch>
+            <a:fillRect/>
+          </a:stretch>
+        </p:blipFill>
+        <p:spPr bwMode="auto">
+          <a:xfrm>
+            <a:off x="323528" y="4293096"/>
+            <a:ext cx="2807989" cy="1580566"/>
+          </a:xfrm>
+          <a:prstGeom prst="rect">
+            <a:avLst/>
+          </a:prstGeom>
+          <a:noFill/>
+          <a:ln w="9525">
+            <a:noFill/>
+            <a:round/>
+            <a:headEnd/>
+            <a:tailEnd/>
+          </a:ln>
+        </p:spPr>
+      </p:pic>
+      <p:sp>
+        <p:nvSpPr>
+          <p:cNvPr id="9" name="Left-Right Arrow 8"/>
+          <p:cNvSpPr/>
+          <p:nvPr/>
+        </p:nvSpPr>
+        <p:spPr bwMode="auto">
+          <a:xfrm>
+            <a:off x="2843808" y="1772816"/>
+            <a:ext cx="3024336" cy="360040"/>
+          </a:xfrm>
+          <a:prstGeom prst="leftRightArrow">
+            <a:avLst/>
+          </a:prstGeom>
+          <a:ln>
+            <a:headEnd type="none" w="med" len="med"/>
+            <a:tailEnd type="none" w="med" len="med"/>
+          </a:ln>
+        </p:spPr>
+        <p:style>
+          <a:lnRef idx="1">
+            <a:schemeClr val="accent1"/>
+          </a:lnRef>
+          <a:fillRef idx="3">
+            <a:schemeClr val="accent1"/>
+          </a:fillRef>
+          <a:effectRef idx="2">
+            <a:schemeClr val="accent1"/>
+          </a:effectRef>
+          <a:fontRef idx="minor">
+            <a:schemeClr val="lt1"/>
+          </a:fontRef>
+        </p:style>
+        <p:txBody>
+          <a:bodyPr vert="horz" wrap="square" lIns="91440" tIns="45720" rIns="91440" bIns="45720" numCol="1" rtlCol="0" anchor="t" anchorCtr="0" compatLnSpc="1">
+            <a:prstTxWarp prst="textNoShape">
+              <a:avLst/>
+            </a:prstTxWarp>
+          </a:bodyPr>
+          <a:lstStyle/>
+          <a:p>
+            <a:pPr marL="0" marR="0" indent="0" algn="l" defTabSz="449263" rtl="0" eaLnBrk="1" fontAlgn="base" latinLnBrk="0" hangingPunct="1">
+              <a:lnSpc>
+                <a:spcPct val="100000"/>
+              </a:lnSpc>
+              <a:spcBef>
+                <a:spcPct val="0"/>
+              </a:spcBef>
+              <a:spcAft>
+                <a:spcPct val="0"/>
+              </a:spcAft>
+              <a:buClr>
+                <a:srgbClr val="000000"/>
+              </a:buClr>
+              <a:buSzPct val="100000"/>
+              <a:buFont typeface="Times New Roman" pitchFamily="16" charset="0"/>
+              <a:buNone/>
+              <a:tabLst/>
+            </a:pPr>
+            <a:endParaRPr kumimoji="0" lang="en-US" sz="1800" b="0" i="0" u="none" strike="noStrike" cap="none" normalizeH="0" baseline="0" smtClean="0">
+              <a:ln>
+                <a:noFill/>
+              </a:ln>
+              <a:solidFill>
+                <a:schemeClr val="bg1"/>
+              </a:solidFill>
+              <a:effectLst/>
+              <a:latin typeface="Arial" charset="0"/>
+              <a:cs typeface="Arial" charset="0"/>
+            </a:endParaRPr>
+          </a:p>
+        </p:txBody>
+      </p:sp>
+      <p:sp>
+        <p:nvSpPr>
+          <p:cNvPr id="11" name="Left-Right Arrow 10"/>
+          <p:cNvSpPr/>
+          <p:nvPr/>
+        </p:nvSpPr>
+        <p:spPr bwMode="auto">
+          <a:xfrm rot="5400000">
+            <a:off x="545494" y="3351050"/>
+            <a:ext cx="1356267" cy="360040"/>
+          </a:xfrm>
+          <a:prstGeom prst="leftRightArrow">
+            <a:avLst/>
+          </a:prstGeom>
+          <a:ln>
+            <a:headEnd type="none" w="med" len="med"/>
+            <a:tailEnd type="none" w="med" len="med"/>
+          </a:ln>
+        </p:spPr>
+        <p:style>
+          <a:lnRef idx="1">
+            <a:schemeClr val="accent6"/>
+          </a:lnRef>
+          <a:fillRef idx="3">
+            <a:schemeClr val="accent6"/>
+          </a:fillRef>
+          <a:effectRef idx="2">
+            <a:schemeClr val="accent6"/>
+          </a:effectRef>
+          <a:fontRef idx="minor">
+            <a:schemeClr val="lt1"/>
+          </a:fontRef>
+        </p:style>
+        <p:txBody>
+          <a:bodyPr vert="horz" wrap="square" lIns="91440" tIns="45720" rIns="91440" bIns="45720" numCol="1" rtlCol="0" anchor="t" anchorCtr="0" compatLnSpc="1">
+            <a:prstTxWarp prst="textNoShape">
+              <a:avLst/>
+            </a:prstTxWarp>
+          </a:bodyPr>
+          <a:lstStyle/>
+          <a:p>
+            <a:pPr marL="0" marR="0" indent="0" algn="l" defTabSz="449263" rtl="0" eaLnBrk="1" fontAlgn="base" latinLnBrk="0" hangingPunct="1">
+              <a:lnSpc>
+                <a:spcPct val="100000"/>
+              </a:lnSpc>
+              <a:spcBef>
+                <a:spcPct val="0"/>
+              </a:spcBef>
+              <a:spcAft>
+                <a:spcPct val="0"/>
+              </a:spcAft>
+              <a:buClr>
+                <a:srgbClr val="000000"/>
+              </a:buClr>
+              <a:buSzPct val="100000"/>
+              <a:buFont typeface="Times New Roman" pitchFamily="16" charset="0"/>
+              <a:buNone/>
+              <a:tabLst/>
+            </a:pPr>
+            <a:endParaRPr kumimoji="0" lang="en-US" sz="1800" b="0" i="0" u="none" strike="noStrike" cap="none" normalizeH="0" baseline="0" dirty="0" smtClean="0">
+              <a:ln>
+                <a:noFill/>
+              </a:ln>
+              <a:solidFill>
+                <a:schemeClr val="bg1"/>
+              </a:solidFill>
+              <a:effectLst/>
+              <a:latin typeface="Arial" charset="0"/>
+              <a:cs typeface="Arial" charset="0"/>
+            </a:endParaRPr>
+          </a:p>
+        </p:txBody>
+      </p:sp>
+      <p:pic>
+        <p:nvPicPr>
+          <p:cNvPr id="16" name="Picture 15"/>
+          <p:cNvPicPr>
+            <a:picLocks noChangeAspect="1"/>
+          </p:cNvPicPr>
+          <p:nvPr/>
+        </p:nvPicPr>
+        <p:blipFill>
+          <a:blip r:embed="rId3"/>
+          <a:stretch>
+            <a:fillRect/>
+          </a:stretch>
+        </p:blipFill>
+        <p:spPr>
+          <a:xfrm>
+            <a:off x="6372200" y="1340768"/>
+            <a:ext cx="1296144" cy="1296144"/>
+          </a:xfrm>
+          <a:prstGeom prst="rect">
+            <a:avLst/>
+          </a:prstGeom>
+        </p:spPr>
+      </p:pic>
+      <p:pic>
+        <p:nvPicPr>
+          <p:cNvPr id="18" name="Content Placeholder 3" descr="couchdb-logo.png"/>
+          <p:cNvPicPr>
+            <a:picLocks noChangeAspect="1"/>
+          </p:cNvPicPr>
+          <p:nvPr/>
+        </p:nvPicPr>
+        <p:blipFill>
+          <a:blip r:embed="rId2">
+            <a:extLst>
+              <a:ext uri="{28A0092B-C50C-407E-A947-70E740481C1C}">
+                <a14:useLocalDpi xmlns:a14="http://schemas.microsoft.com/office/drawing/2010/main" val="0"/>
+              </a:ext>
+            </a:extLst>
+          </a:blip>
+          <a:srcRect l="-30753" r="-30753"/>
+          <a:stretch>
+            <a:fillRect/>
+          </a:stretch>
+        </p:blipFill>
+        <p:spPr bwMode="auto">
+          <a:xfrm>
+            <a:off x="5724128" y="4293096"/>
+            <a:ext cx="2807989" cy="1580566"/>
+          </a:xfrm>
+          <a:prstGeom prst="rect">
+            <a:avLst/>
+          </a:prstGeom>
+          <a:noFill/>
+          <a:ln w="9525">
+            <a:noFill/>
+            <a:round/>
+            <a:headEnd/>
+            <a:tailEnd/>
+          </a:ln>
+        </p:spPr>
+      </p:pic>
+      <p:sp>
+        <p:nvSpPr>
+          <p:cNvPr id="19" name="Right Arrow 18"/>
+          <p:cNvSpPr/>
+          <p:nvPr/>
+        </p:nvSpPr>
+        <p:spPr bwMode="auto">
+          <a:xfrm>
+            <a:off x="2915816" y="4797152"/>
+            <a:ext cx="2952328" cy="360040"/>
+          </a:xfrm>
+          <a:prstGeom prst="rightArrow">
+            <a:avLst/>
+          </a:prstGeom>
+          <a:ln>
+            <a:headEnd type="none" w="med" len="med"/>
+            <a:tailEnd type="none" w="med" len="med"/>
+          </a:ln>
+        </p:spPr>
+        <p:style>
+          <a:lnRef idx="1">
+            <a:schemeClr val="accent6"/>
+          </a:lnRef>
+          <a:fillRef idx="3">
+            <a:schemeClr val="accent6"/>
+          </a:fillRef>
+          <a:effectRef idx="2">
+            <a:schemeClr val="accent6"/>
+          </a:effectRef>
+          <a:fontRef idx="minor">
+            <a:schemeClr val="lt1"/>
+          </a:fontRef>
+        </p:style>
         <p:txBody>
           <a:bodyPr/>
           <a:lstStyle/>
           <a:p>
-            <a:r>
-              <a:rPr lang="nl-BE" dirty="0" smtClean="0"/>
-              <a:t>Multi</a:t>
-            </a:r>
-            <a:r>
-              <a:rPr lang="nl-BE" dirty="0" smtClean="0"/>
-              <a:t>-master replication (aka master-master)</a:t>
-            </a:r>
-          </a:p>
-          <a:p>
-            <a:r>
-              <a:rPr lang="nl-BE" dirty="0" smtClean="0"/>
-              <a:t>Availability vs Consistency</a:t>
-            </a:r>
-          </a:p>
-          <a:p>
-            <a:r>
-              <a:rPr lang="nl-BE" dirty="0" smtClean="0"/>
-              <a:t>Predefined Views (map functions) vs Dynamic queries</a:t>
-            </a:r>
-          </a:p>
-          <a:p>
-            <a:r>
-              <a:rPr lang="nl-BE" dirty="0" smtClean="0"/>
-              <a:t>Giant datastore vs Collections</a:t>
-            </a:r>
-            <a:endParaRPr lang="nl-BE" dirty="0"/>
-          </a:p>
-          <a:p>
-            <a:endParaRPr lang="nl-BE" dirty="0" smtClean="0"/>
-          </a:p>
-          <a:p>
-            <a:pPr lvl="1"/>
-            <a:endParaRPr lang="nl-BE" dirty="0"/>
+            <a:pPr algn="ctr">
+              <a:lnSpc>
+                <a:spcPct val="70000"/>
+              </a:lnSpc>
+            </a:pPr>
+            <a:r>
+              <a:rPr lang="en-US" sz="900" dirty="0" smtClean="0">
+                <a:solidFill>
+                  <a:schemeClr val="tx1"/>
+                </a:solidFill>
+              </a:rPr>
+              <a:t>Backup / archive</a:t>
+            </a:r>
+            <a:endParaRPr lang="en-US" sz="900" dirty="0">
+              <a:solidFill>
+                <a:schemeClr val="tx1"/>
+              </a:solidFill>
+            </a:endParaRPr>
+          </a:p>
+        </p:txBody>
+      </p:sp>
+      <p:sp>
+        <p:nvSpPr>
+          <p:cNvPr id="22" name="TextBox 21"/>
+          <p:cNvSpPr txBox="1"/>
+          <p:nvPr/>
+        </p:nvSpPr>
+        <p:spPr>
+          <a:xfrm>
+            <a:off x="1693616" y="5697687"/>
+            <a:ext cx="890125" cy="369332"/>
+          </a:xfrm>
+          <a:prstGeom prst="rect">
+            <a:avLst/>
+          </a:prstGeom>
+        </p:spPr>
+        <p:style>
+          <a:lnRef idx="2">
+            <a:schemeClr val="accent2">
+              <a:shade val="50000"/>
+            </a:schemeClr>
+          </a:lnRef>
+          <a:fillRef idx="1">
+            <a:schemeClr val="accent2"/>
+          </a:fillRef>
+          <a:effectRef idx="0">
+            <a:schemeClr val="accent2"/>
+          </a:effectRef>
+          <a:fontRef idx="minor">
+            <a:schemeClr val="lt1"/>
+          </a:fontRef>
+        </p:style>
+        <p:txBody>
+          <a:bodyPr wrap="none" rtlCol="0">
+            <a:spAutoFit/>
+          </a:bodyPr>
+          <a:lstStyle/>
+          <a:p>
+            <a:r>
+              <a:rPr lang="en-US" dirty="0" smtClean="0"/>
+              <a:t>Master</a:t>
+            </a:r>
+            <a:endParaRPr lang="en-US" dirty="0"/>
+          </a:p>
+        </p:txBody>
+      </p:sp>
+      <p:sp>
+        <p:nvSpPr>
+          <p:cNvPr id="21" name="TextBox 20"/>
+          <p:cNvSpPr txBox="1"/>
+          <p:nvPr/>
+        </p:nvSpPr>
+        <p:spPr>
+          <a:xfrm>
+            <a:off x="7238232" y="5688928"/>
+            <a:ext cx="762085" cy="369332"/>
+          </a:xfrm>
+          <a:prstGeom prst="rect">
+            <a:avLst/>
+          </a:prstGeom>
+        </p:spPr>
+        <p:style>
+          <a:lnRef idx="2">
+            <a:schemeClr val="accent1">
+              <a:shade val="50000"/>
+            </a:schemeClr>
+          </a:lnRef>
+          <a:fillRef idx="1">
+            <a:schemeClr val="accent1"/>
+          </a:fillRef>
+          <a:effectRef idx="0">
+            <a:schemeClr val="accent1"/>
+          </a:effectRef>
+          <a:fontRef idx="minor">
+            <a:schemeClr val="lt1"/>
+          </a:fontRef>
+        </p:style>
+        <p:txBody>
+          <a:bodyPr wrap="none" rtlCol="0">
+            <a:spAutoFit/>
+          </a:bodyPr>
+          <a:lstStyle/>
+          <a:p>
+            <a:r>
+              <a:rPr lang="en-US" dirty="0" smtClean="0">
+                <a:solidFill>
+                  <a:schemeClr val="bg1"/>
+                </a:solidFill>
+              </a:rPr>
+              <a:t>Slave</a:t>
+            </a:r>
+            <a:endParaRPr lang="en-US" dirty="0">
+              <a:solidFill>
+                <a:schemeClr val="bg1"/>
+              </a:solidFill>
+            </a:endParaRPr>
+          </a:p>
+        </p:txBody>
+      </p:sp>
+      <p:sp>
+        <p:nvSpPr>
+          <p:cNvPr id="25" name="TextBox 24"/>
+          <p:cNvSpPr txBox="1"/>
+          <p:nvPr/>
+        </p:nvSpPr>
+        <p:spPr>
+          <a:xfrm>
+            <a:off x="1691680" y="2663189"/>
+            <a:ext cx="890125" cy="369332"/>
+          </a:xfrm>
+          <a:prstGeom prst="rect">
+            <a:avLst/>
+          </a:prstGeom>
+        </p:spPr>
+        <p:style>
+          <a:lnRef idx="2">
+            <a:schemeClr val="accent2">
+              <a:shade val="50000"/>
+            </a:schemeClr>
+          </a:lnRef>
+          <a:fillRef idx="1">
+            <a:schemeClr val="accent2"/>
+          </a:fillRef>
+          <a:effectRef idx="0">
+            <a:schemeClr val="accent2"/>
+          </a:effectRef>
+          <a:fontRef idx="minor">
+            <a:schemeClr val="lt1"/>
+          </a:fontRef>
+        </p:style>
+        <p:txBody>
+          <a:bodyPr wrap="none" rtlCol="0">
+            <a:spAutoFit/>
+          </a:bodyPr>
+          <a:lstStyle/>
+          <a:p>
+            <a:r>
+              <a:rPr lang="en-US" dirty="0" smtClean="0"/>
+              <a:t>Master</a:t>
+            </a:r>
+            <a:endParaRPr lang="en-US" dirty="0"/>
+          </a:p>
+        </p:txBody>
+      </p:sp>
+      <p:sp>
+        <p:nvSpPr>
+          <p:cNvPr id="26" name="TextBox 25"/>
+          <p:cNvSpPr txBox="1"/>
+          <p:nvPr/>
+        </p:nvSpPr>
+        <p:spPr>
+          <a:xfrm>
+            <a:off x="7164288" y="2636912"/>
+            <a:ext cx="890125" cy="369332"/>
+          </a:xfrm>
+          <a:prstGeom prst="rect">
+            <a:avLst/>
+          </a:prstGeom>
+        </p:spPr>
+        <p:style>
+          <a:lnRef idx="2">
+            <a:schemeClr val="accent2">
+              <a:shade val="50000"/>
+            </a:schemeClr>
+          </a:lnRef>
+          <a:fillRef idx="1">
+            <a:schemeClr val="accent2"/>
+          </a:fillRef>
+          <a:effectRef idx="0">
+            <a:schemeClr val="accent2"/>
+          </a:effectRef>
+          <a:fontRef idx="minor">
+            <a:schemeClr val="lt1"/>
+          </a:fontRef>
+        </p:style>
+        <p:txBody>
+          <a:bodyPr wrap="none" rtlCol="0">
+            <a:spAutoFit/>
+          </a:bodyPr>
+          <a:lstStyle/>
+          <a:p>
+            <a:r>
+              <a:rPr lang="en-US" dirty="0" smtClean="0"/>
+              <a:t>Master</a:t>
+            </a:r>
+            <a:endParaRPr lang="en-US" dirty="0"/>
           </a:p>
         </p:txBody>
       </p:sp>
     </p:spTree>
     <p:extLst>
       <p:ext uri="{BB962C8B-B14F-4D97-AF65-F5344CB8AC3E}">
-        <p14:creationId xmlns:p14="http://schemas.microsoft.com/office/powerpoint/2010/main" val="3313887573"/>
+        <p14:creationId xmlns:p14="http://schemas.microsoft.com/office/powerpoint/2010/main" val="3763154810"/>
       </p:ext>
     </p:extLst>
   </p:cSld>
